--- a/slides/packages.pptx
+++ b/slides/packages.pptx
@@ -5,15 +5,21 @@
     <p:sldMasterId id="2147483672" r:id="rId1"/>
   </p:sldMasterIdLst>
   <p:notesMasterIdLst>
-    <p:notesMasterId r:id="rId5"/>
+    <p:notesMasterId r:id="rId11"/>
   </p:notesMasterIdLst>
   <p:handoutMasterIdLst>
-    <p:handoutMasterId r:id="rId6"/>
+    <p:handoutMasterId r:id="rId12"/>
   </p:handoutMasterIdLst>
   <p:sldIdLst>
     <p:sldId id="256" r:id="rId2"/>
-    <p:sldId id="257" r:id="rId3"/>
-    <p:sldId id="258" r:id="rId4"/>
+    <p:sldId id="258" r:id="rId3"/>
+    <p:sldId id="259" r:id="rId4"/>
+    <p:sldId id="260" r:id="rId5"/>
+    <p:sldId id="261" r:id="rId6"/>
+    <p:sldId id="262" r:id="rId7"/>
+    <p:sldId id="257" r:id="rId8"/>
+    <p:sldId id="263" r:id="rId9"/>
+    <p:sldId id="264" r:id="rId10"/>
   </p:sldIdLst>
   <p:sldSz cx="12192000" cy="6858000"/>
   <p:notesSz cx="9144000" cy="6858000"/>
@@ -208,7 +214,7 @@
           <a:p>
             <a:fld id="{8A1B613A-EFF1-404F-BEE8-EFAE84A4E5E2}" type="datetimeFigureOut">
               <a:rPr lang="en-US" smtClean="0"/>
-              <a:t>6/9/21</a:t>
+              <a:t>6/10/21</a:t>
             </a:fld>
             <a:endParaRPr lang="en-US"/>
           </a:p>
@@ -373,7 +379,7 @@
           <a:p>
             <a:fld id="{690847EA-AC25-3D4E-89E1-FD3F6A9702B6}" type="datetimeFigureOut">
               <a:rPr lang="en-US" smtClean="0"/>
-              <a:t>6/9/21</a:t>
+              <a:t>6/10/21</a:t>
             </a:fld>
             <a:endParaRPr lang="en-US"/>
           </a:p>
@@ -787,7 +793,7 @@
           <a:p>
             <a:fld id="{BE5295ED-3BAF-1140-8495-3D368771D6B1}" type="datetimeFigureOut">
               <a:rPr lang="en-US" smtClean="0"/>
-              <a:t>6/9/21</a:t>
+              <a:t>6/10/21</a:t>
             </a:fld>
             <a:endParaRPr lang="en-US"/>
           </a:p>
@@ -985,7 +991,7 @@
           <a:p>
             <a:fld id="{BE5295ED-3BAF-1140-8495-3D368771D6B1}" type="datetimeFigureOut">
               <a:rPr lang="en-US" smtClean="0"/>
-              <a:t>6/9/21</a:t>
+              <a:t>6/10/21</a:t>
             </a:fld>
             <a:endParaRPr lang="en-US"/>
           </a:p>
@@ -1193,7 +1199,7 @@
           <a:p>
             <a:fld id="{BE5295ED-3BAF-1140-8495-3D368771D6B1}" type="datetimeFigureOut">
               <a:rPr lang="en-US" smtClean="0"/>
-              <a:t>6/9/21</a:t>
+              <a:t>6/10/21</a:t>
             </a:fld>
             <a:endParaRPr lang="en-US"/>
           </a:p>
@@ -1391,7 +1397,7 @@
           <a:p>
             <a:fld id="{BE5295ED-3BAF-1140-8495-3D368771D6B1}" type="datetimeFigureOut">
               <a:rPr lang="en-US" smtClean="0"/>
-              <a:t>6/9/21</a:t>
+              <a:t>6/10/21</a:t>
             </a:fld>
             <a:endParaRPr lang="en-US"/>
           </a:p>
@@ -1666,7 +1672,7 @@
           <a:p>
             <a:fld id="{BE5295ED-3BAF-1140-8495-3D368771D6B1}" type="datetimeFigureOut">
               <a:rPr lang="en-US" smtClean="0"/>
-              <a:t>6/9/21</a:t>
+              <a:t>6/10/21</a:t>
             </a:fld>
             <a:endParaRPr lang="en-US"/>
           </a:p>
@@ -1931,7 +1937,7 @@
           <a:p>
             <a:fld id="{BE5295ED-3BAF-1140-8495-3D368771D6B1}" type="datetimeFigureOut">
               <a:rPr lang="en-US" smtClean="0"/>
-              <a:t>6/9/21</a:t>
+              <a:t>6/10/21</a:t>
             </a:fld>
             <a:endParaRPr lang="en-US"/>
           </a:p>
@@ -2343,7 +2349,7 @@
           <a:p>
             <a:fld id="{BE5295ED-3BAF-1140-8495-3D368771D6B1}" type="datetimeFigureOut">
               <a:rPr lang="en-US" smtClean="0"/>
-              <a:t>6/9/21</a:t>
+              <a:t>6/10/21</a:t>
             </a:fld>
             <a:endParaRPr lang="en-US"/>
           </a:p>
@@ -2484,7 +2490,7 @@
           <a:p>
             <a:fld id="{BE5295ED-3BAF-1140-8495-3D368771D6B1}" type="datetimeFigureOut">
               <a:rPr lang="en-US" smtClean="0"/>
-              <a:t>6/9/21</a:t>
+              <a:t>6/10/21</a:t>
             </a:fld>
             <a:endParaRPr lang="en-US"/>
           </a:p>
@@ -2597,7 +2603,7 @@
           <a:p>
             <a:fld id="{BE5295ED-3BAF-1140-8495-3D368771D6B1}" type="datetimeFigureOut">
               <a:rPr lang="en-US" smtClean="0"/>
-              <a:t>6/9/21</a:t>
+              <a:t>6/10/21</a:t>
             </a:fld>
             <a:endParaRPr lang="en-US"/>
           </a:p>
@@ -2908,7 +2914,7 @@
           <a:p>
             <a:fld id="{BE5295ED-3BAF-1140-8495-3D368771D6B1}" type="datetimeFigureOut">
               <a:rPr lang="en-US" smtClean="0"/>
-              <a:t>6/9/21</a:t>
+              <a:t>6/10/21</a:t>
             </a:fld>
             <a:endParaRPr lang="en-US"/>
           </a:p>
@@ -3199,7 +3205,7 @@
           <a:p>
             <a:fld id="{BE5295ED-3BAF-1140-8495-3D368771D6B1}" type="datetimeFigureOut">
               <a:rPr lang="en-US" smtClean="0"/>
-              <a:t>6/9/21</a:t>
+              <a:t>6/10/21</a:t>
             </a:fld>
             <a:endParaRPr lang="en-US"/>
           </a:p>
@@ -3440,7 +3446,7 @@
           <a:p>
             <a:fld id="{BE5295ED-3BAF-1140-8495-3D368771D6B1}" type="datetimeFigureOut">
               <a:rPr lang="en-US" smtClean="0"/>
-              <a:t>6/9/21</a:t>
+              <a:t>6/10/21</a:t>
             </a:fld>
             <a:endParaRPr lang="en-US"/>
           </a:p>
@@ -4035,7 +4041,7 @@
           <p:cNvPr id="2" name="Title 1">
             <a:extLst>
               <a:ext uri="{FF2B5EF4-FFF2-40B4-BE49-F238E27FC236}">
-                <a16:creationId xmlns:a16="http://schemas.microsoft.com/office/drawing/2014/main" id="{6325A27C-6289-0C44-B8CE-6F9067710829}"/>
+                <a16:creationId xmlns:a16="http://schemas.microsoft.com/office/drawing/2014/main" id="{7FBF77CE-012E-574B-966B-A2693E9CCE47}"/>
               </a:ext>
             </a:extLst>
           </p:cNvPr>
@@ -4051,7 +4057,10 @@
           <a:bodyPr/>
           <a:lstStyle/>
           <a:p>
-            <a:endParaRPr lang="en-US"/>
+            <a:r>
+              <a:rPr lang="en-US" dirty="0"/>
+              <a:t>Why we need the import statement</a:t>
+            </a:r>
           </a:p>
         </p:txBody>
       </p:sp>
@@ -4060,7 +4069,7 @@
           <p:cNvPr id="3" name="Content Placeholder 2">
             <a:extLst>
               <a:ext uri="{FF2B5EF4-FFF2-40B4-BE49-F238E27FC236}">
-                <a16:creationId xmlns:a16="http://schemas.microsoft.com/office/drawing/2014/main" id="{49179C3E-F9A0-CB4E-AC39-C4FB2DF07F46}"/>
+                <a16:creationId xmlns:a16="http://schemas.microsoft.com/office/drawing/2014/main" id="{A83B2002-2156-794A-BD8E-C44826A2EAD2}"/>
               </a:ext>
             </a:extLst>
           </p:cNvPr>
@@ -4076,14 +4085,69 @@
           <a:bodyPr/>
           <a:lstStyle/>
           <a:p>
-            <a:endParaRPr lang="en-US"/>
+            <a:r>
+              <a:rPr lang="en-US" dirty="0"/>
+              <a:t>We've seen the use of some predefined functions, such as </a:t>
+            </a:r>
+            <a:r>
+              <a:rPr lang="en-US" b="1" dirty="0"/>
+              <a:t>range()</a:t>
+            </a:r>
+            <a:r>
+              <a:rPr lang="en-US" dirty="0"/>
+              <a:t> and </a:t>
+            </a:r>
+            <a:r>
+              <a:rPr lang="en-US" b="1" dirty="0" err="1"/>
+              <a:t>len</a:t>
+            </a:r>
+            <a:r>
+              <a:rPr lang="en-US" b="1" dirty="0"/>
+              <a:t> ()</a:t>
+            </a:r>
+            <a:r>
+              <a:rPr lang="en-US" dirty="0"/>
+              <a:t> that are available without doing anything special in your Python program</a:t>
+            </a:r>
+          </a:p>
+          <a:p>
+            <a:r>
+              <a:rPr lang="en-US" dirty="0"/>
+              <a:t>Now let's take a look at importing and using code libraries</a:t>
+            </a:r>
+          </a:p>
+          <a:p>
+            <a:r>
+              <a:rPr lang="en-US" dirty="0"/>
+              <a:t>There are a multitude of of libraries on your disk and Python can't automatically load them all into memory; we must explicitly </a:t>
+            </a:r>
+            <a:r>
+              <a:rPr lang="en-US" b="1" dirty="0"/>
+              <a:t>import</a:t>
+            </a:r>
+            <a:r>
+              <a:rPr lang="en-US" dirty="0"/>
+              <a:t> the libraries we want to use in our program</a:t>
+            </a:r>
+          </a:p>
+          <a:p>
+            <a:r>
+              <a:rPr lang="en-US" dirty="0"/>
+              <a:t>This is like opening a specific cookbook of recipes</a:t>
+            </a:r>
+          </a:p>
+          <a:p>
+            <a:r>
+              <a:rPr lang="en-US" dirty="0"/>
+              <a:t>Later we will see how to install more libraries onto our machine</a:t>
+            </a:r>
           </a:p>
         </p:txBody>
       </p:sp>
     </p:spTree>
     <p:extLst>
       <p:ext uri="{BB962C8B-B14F-4D97-AF65-F5344CB8AC3E}">
-        <p14:creationId xmlns:p14="http://schemas.microsoft.com/office/powerpoint/2010/main" val="4071625810"/>
+        <p14:creationId xmlns:p14="http://schemas.microsoft.com/office/powerpoint/2010/main" val="1841420691"/>
       </p:ext>
     </p:extLst>
   </p:cSld>
@@ -4115,7 +4179,7 @@
           <p:cNvPr id="2" name="Title 1">
             <a:extLst>
               <a:ext uri="{FF2B5EF4-FFF2-40B4-BE49-F238E27FC236}">
-                <a16:creationId xmlns:a16="http://schemas.microsoft.com/office/drawing/2014/main" id="{7FBF77CE-012E-574B-966B-A2693E9CCE47}"/>
+                <a16:creationId xmlns:a16="http://schemas.microsoft.com/office/drawing/2014/main" id="{D501046A-39B8-1F4F-8FFF-0FD9BB4C9C66}"/>
               </a:ext>
             </a:extLst>
           </p:cNvPr>
@@ -4126,100 +4190,1560 @@
             <p:ph type="title"/>
           </p:nvPr>
         </p:nvSpPr>
-        <p:spPr/>
+        <p:spPr>
+          <a:xfrm>
+            <a:off x="838199" y="365125"/>
+            <a:ext cx="10949609" cy="1325563"/>
+          </a:xfrm>
+        </p:spPr>
         <p:txBody>
           <a:bodyPr/>
           <a:lstStyle/>
           <a:p>
-            <a:endParaRPr lang="en-US" dirty="0"/>
-          </a:p>
-        </p:txBody>
-      </p:sp>
-      <p:sp>
-        <p:nvSpPr>
-          <p:cNvPr id="3" name="Content Placeholder 2">
-            <a:extLst>
-              <a:ext uri="{FF2B5EF4-FFF2-40B4-BE49-F238E27FC236}">
-                <a16:creationId xmlns:a16="http://schemas.microsoft.com/office/drawing/2014/main" id="{A83B2002-2156-794A-BD8E-C44826A2EAD2}"/>
-              </a:ext>
-            </a:extLst>
-          </p:cNvPr>
-          <p:cNvSpPr>
-            <a:spLocks noGrp="1"/>
-          </p:cNvSpPr>
-          <p:nvPr>
-            <p:ph idx="1"/>
-          </p:nvPr>
-        </p:nvSpPr>
-        <p:spPr/>
-        <p:txBody>
-          <a:bodyPr/>
-          <a:lstStyle/>
-          <a:p>
             <a:r>
               <a:rPr lang="en-US" dirty="0"/>
-              <a:t>We've seen the use of some predefined functions, such as </a:t>
-            </a:r>
-            <a:r>
-              <a:rPr lang="en-US" b="1" dirty="0"/>
-              <a:t>range</a:t>
-            </a:r>
-            <a:r>
-              <a:rPr lang="en-US" dirty="0"/>
-              <a:t> and </a:t>
+              <a:t>Accessing goodies from installed modules</a:t>
+            </a:r>
+          </a:p>
+        </p:txBody>
+      </p:sp>
+      <mc:AlternateContent xmlns:mc="http://schemas.openxmlformats.org/markup-compatibility/2006">
+        <mc:Choice xmlns:a14="http://schemas.microsoft.com/office/drawing/2010/main" Requires="a14">
+          <p:sp>
+            <p:nvSpPr>
+              <p:cNvPr id="3" name="Content Placeholder 2">
+                <a:extLst>
+                  <a:ext uri="{FF2B5EF4-FFF2-40B4-BE49-F238E27FC236}">
+                    <a16:creationId xmlns:a16="http://schemas.microsoft.com/office/drawing/2014/main" id="{A6ABC458-7BD5-0A4B-875F-B99BB87AE9EF}"/>
+                  </a:ext>
+                </a:extLst>
+              </p:cNvPr>
+              <p:cNvSpPr>
+                <a:spLocks noGrp="1"/>
+              </p:cNvSpPr>
+              <p:nvPr>
+                <p:ph idx="1"/>
+              </p:nvPr>
+            </p:nvSpPr>
+            <p:spPr>
+              <a:xfrm>
+                <a:off x="838200" y="1570383"/>
+                <a:ext cx="10515600" cy="4606580"/>
+              </a:xfrm>
+            </p:spPr>
+            <p:txBody>
+              <a:bodyPr/>
+              <a:lstStyle/>
+              <a:p>
+                <a:r>
+                  <a:rPr lang="en-US" dirty="0"/>
+                  <a:t>Imagine that we need the constant </a:t>
+                </a:r>
+                <a14:m>
+                  <m:oMath xmlns:m="http://schemas.openxmlformats.org/officeDocument/2006/math">
+                    <m:r>
+                      <a:rPr lang="en-US" i="1" smtClean="0">
+                        <a:latin typeface="Cambria Math" panose="02040503050406030204" pitchFamily="18" charset="0"/>
+                        <a:ea typeface="Cambria Math" panose="02040503050406030204" pitchFamily="18" charset="0"/>
+                      </a:rPr>
+                      <m:t>𝜋</m:t>
+                    </m:r>
+                  </m:oMath>
+                </a14:m>
+                <a:r>
+                  <a:rPr lang="en-US" dirty="0"/>
+                  <a:t>; if we try referencing </a:t>
+                </a:r>
+                <a:r>
+                  <a:rPr lang="en-US" b="1" dirty="0"/>
+                  <a:t>pi</a:t>
+                </a:r>
+                <a:r>
+                  <a:rPr lang="en-US" dirty="0"/>
+                  <a:t>, we find that it’s not defined, but of course we could define one:</a:t>
+                </a:r>
+              </a:p>
+              <a:p>
+                <a:endParaRPr lang="en-US" dirty="0"/>
+              </a:p>
+              <a:p>
+                <a:endParaRPr lang="en-US" dirty="0"/>
+              </a:p>
+              <a:p>
+                <a:endParaRPr lang="en-US" dirty="0"/>
+              </a:p>
+              <a:p>
+                <a:endParaRPr lang="en-US" dirty="0"/>
+              </a:p>
+              <a:p>
+                <a:r>
+                  <a:rPr lang="en-US" dirty="0"/>
+                  <a:t>Easier to access a pre-installed and available library:</a:t>
+                </a:r>
+              </a:p>
+            </p:txBody>
+          </p:sp>
+        </mc:Choice>
+        <mc:Fallback>
+          <p:sp>
+            <p:nvSpPr>
+              <p:cNvPr id="3" name="Content Placeholder 2">
+                <a:extLst>
+                  <a:ext uri="{FF2B5EF4-FFF2-40B4-BE49-F238E27FC236}">
+                    <a16:creationId xmlns:a16="http://schemas.microsoft.com/office/drawing/2014/main" id="{A6ABC458-7BD5-0A4B-875F-B99BB87AE9EF}"/>
+                  </a:ext>
+                </a:extLst>
+              </p:cNvPr>
+              <p:cNvSpPr>
+                <a:spLocks noGrp="1" noRot="1" noChangeAspect="1" noMove="1" noResize="1" noEditPoints="1" noAdjustHandles="1" noChangeArrowheads="1" noChangeShapeType="1" noTextEdit="1"/>
+              </p:cNvSpPr>
+              <p:nvPr>
+                <p:ph idx="1"/>
+              </p:nvPr>
+            </p:nvSpPr>
+            <p:spPr>
+              <a:xfrm>
+                <a:off x="838200" y="1570383"/>
+                <a:ext cx="10515600" cy="4606580"/>
+              </a:xfrm>
+              <a:blipFill>
+                <a:blip r:embed="rId2"/>
+                <a:stretch>
+                  <a:fillRect l="-1086" t="-2198"/>
+                </a:stretch>
+              </a:blipFill>
+            </p:spPr>
+            <p:txBody>
+              <a:bodyPr/>
+              <a:lstStyle/>
+              <a:p>
+                <a:r>
+                  <a:rPr lang="en-US">
+                    <a:noFill/>
+                  </a:rPr>
+                  <a:t> </a:t>
+                </a:r>
+              </a:p>
+            </p:txBody>
+          </p:sp>
+        </mc:Fallback>
+      </mc:AlternateContent>
+      <p:pic>
+        <p:nvPicPr>
+          <p:cNvPr id="4" name="Picture 3">
+            <a:extLst>
+              <a:ext uri="{FF2B5EF4-FFF2-40B4-BE49-F238E27FC236}">
+                <a16:creationId xmlns:a16="http://schemas.microsoft.com/office/drawing/2014/main" id="{3563FDD6-8C89-434A-AC51-8E2DF8CB8D1D}"/>
+              </a:ext>
+            </a:extLst>
+          </p:cNvPr>
+          <p:cNvPicPr>
+            <a:picLocks noChangeAspect="1"/>
+          </p:cNvPicPr>
+          <p:nvPr/>
+        </p:nvPicPr>
+        <p:blipFill>
+          <a:blip r:embed="rId3"/>
+          <a:stretch>
+            <a:fillRect/>
+          </a:stretch>
+        </p:blipFill>
+        <p:spPr>
+          <a:xfrm>
+            <a:off x="3413878" y="2495550"/>
+            <a:ext cx="4902200" cy="1866900"/>
+          </a:xfrm>
+          <a:prstGeom prst="rect">
+            <a:avLst/>
+          </a:prstGeom>
+        </p:spPr>
+      </p:pic>
+      <p:pic>
+        <p:nvPicPr>
+          <p:cNvPr id="6" name="Picture 5">
+            <a:extLst>
+              <a:ext uri="{FF2B5EF4-FFF2-40B4-BE49-F238E27FC236}">
+                <a16:creationId xmlns:a16="http://schemas.microsoft.com/office/drawing/2014/main" id="{E9C00ABD-D9A0-104F-B4AE-36F4DC2960E7}"/>
+              </a:ext>
+            </a:extLst>
+          </p:cNvPr>
+          <p:cNvPicPr>
+            <a:picLocks noChangeAspect="1"/>
+          </p:cNvPicPr>
+          <p:nvPr/>
+        </p:nvPicPr>
+        <p:blipFill>
+          <a:blip r:embed="rId4"/>
+          <a:stretch>
+            <a:fillRect/>
+          </a:stretch>
+        </p:blipFill>
+        <p:spPr>
+          <a:xfrm>
+            <a:off x="4516846" y="5164932"/>
+            <a:ext cx="2298700" cy="1079500"/>
+          </a:xfrm>
+          <a:prstGeom prst="rect">
+            <a:avLst/>
+          </a:prstGeom>
+        </p:spPr>
+      </p:pic>
+      <p:sp>
+        <p:nvSpPr>
+          <p:cNvPr id="7" name="TextBox 6">
+            <a:extLst>
+              <a:ext uri="{FF2B5EF4-FFF2-40B4-BE49-F238E27FC236}">
+                <a16:creationId xmlns:a16="http://schemas.microsoft.com/office/drawing/2014/main" id="{DD59DB4C-378A-D34D-92A1-B5290324CA01}"/>
+              </a:ext>
+            </a:extLst>
+          </p:cNvPr>
+          <p:cNvSpPr txBox="1"/>
+          <p:nvPr/>
+        </p:nvSpPr>
+        <p:spPr>
+          <a:xfrm>
+            <a:off x="9319283" y="5111571"/>
+            <a:ext cx="2802835" cy="1200329"/>
+          </a:xfrm>
+          <a:prstGeom prst="rect">
+            <a:avLst/>
+          </a:prstGeom>
+          <a:noFill/>
+        </p:spPr>
+        <p:txBody>
+          <a:bodyPr wrap="square" rtlCol="0">
+            <a:spAutoFit/>
+          </a:bodyPr>
+          <a:lstStyle/>
+          <a:p>
+            <a:r>
+              <a:rPr lang="en-US" b="1" i="1" dirty="0"/>
+              <a:t>Warning</a:t>
+            </a:r>
+            <a:r>
+              <a:rPr lang="en-US" i="1" dirty="0"/>
+              <a:t>: ‘.’ is overloaded so </a:t>
+            </a:r>
+            <a:r>
+              <a:rPr lang="en-US" i="1" dirty="0" err="1"/>
+              <a:t>a.b</a:t>
+            </a:r>
+            <a:r>
+              <a:rPr lang="en-US" i="1" dirty="0"/>
+              <a:t> could mean package, module, or object accessor  </a:t>
+            </a:r>
+          </a:p>
+        </p:txBody>
+      </p:sp>
+      <p:sp>
+        <p:nvSpPr>
+          <p:cNvPr id="9" name="Rectangle 8">
+            <a:extLst>
+              <a:ext uri="{FF2B5EF4-FFF2-40B4-BE49-F238E27FC236}">
+                <a16:creationId xmlns:a16="http://schemas.microsoft.com/office/drawing/2014/main" id="{E9724EBF-1E83-0F47-B2AB-10A75F458918}"/>
+              </a:ext>
+            </a:extLst>
+          </p:cNvPr>
+          <p:cNvSpPr/>
+          <p:nvPr/>
+        </p:nvSpPr>
+        <p:spPr>
+          <a:xfrm>
+            <a:off x="3961956" y="6374884"/>
+            <a:ext cx="3668633" cy="369332"/>
+          </a:xfrm>
+          <a:prstGeom prst="rect">
+            <a:avLst/>
+          </a:prstGeom>
+        </p:spPr>
+        <p:txBody>
+          <a:bodyPr wrap="none">
+            <a:spAutoFit/>
+          </a:bodyPr>
+          <a:lstStyle/>
+          <a:p>
+            <a:r>
+              <a:rPr lang="en-US" i="1" dirty="0"/>
+              <a:t>Somewhere there’s a </a:t>
             </a:r>
             <a:r>
               <a:rPr lang="en-US" b="1" dirty="0" err="1"/>
-              <a:t>len</a:t>
-            </a:r>
-            <a:r>
-              <a:rPr lang="en-US" dirty="0"/>
-              <a:t> that are available without doing anything special in your Python program</a:t>
-            </a:r>
-          </a:p>
-          <a:p>
-            <a:r>
-              <a:rPr lang="en-US" dirty="0"/>
-              <a:t>Now let's take a look at importing code libraries</a:t>
-            </a:r>
-          </a:p>
-          <a:p>
-            <a:r>
-              <a:rPr lang="en-US" dirty="0"/>
-              <a:t>There are millions of libraries out there and Python can't automatically load them all into memory; we must explicitly </a:t>
-            </a:r>
-            <a:r>
-              <a:rPr lang="en-US" b="1" dirty="0"/>
-              <a:t>import</a:t>
-            </a:r>
-            <a:r>
-              <a:rPr lang="en-US" dirty="0"/>
-              <a:t> the libraries we want to use in our program</a:t>
-            </a:r>
-          </a:p>
-          <a:p>
-            <a:r>
-              <a:rPr lang="en-US" dirty="0"/>
-              <a:t>This is like opening a specific cookbook of recipes</a:t>
-            </a:r>
-          </a:p>
-          <a:p>
-            <a:r>
-              <a:rPr lang="en-US" dirty="0"/>
-              <a:t>pip install / </a:t>
-            </a:r>
-            <a:r>
-              <a:rPr lang="en-US" dirty="0" err="1"/>
-              <a:t>conda</a:t>
-            </a:r>
-            <a:endParaRPr lang="en-US" dirty="0"/>
+              <a:t>math.py</a:t>
+            </a:r>
+            <a:r>
+              <a:rPr lang="en-US" i="1" dirty="0"/>
+              <a:t> file</a:t>
+            </a:r>
           </a:p>
         </p:txBody>
       </p:sp>
     </p:spTree>
     <p:extLst>
       <p:ext uri="{BB962C8B-B14F-4D97-AF65-F5344CB8AC3E}">
-        <p14:creationId xmlns:p14="http://schemas.microsoft.com/office/powerpoint/2010/main" val="1841420691"/>
+        <p14:creationId xmlns:p14="http://schemas.microsoft.com/office/powerpoint/2010/main" val="3502919580"/>
+      </p:ext>
+    </p:extLst>
+  </p:cSld>
+  <p:clrMapOvr>
+    <a:masterClrMapping/>
+  </p:clrMapOvr>
+</p:sld>
+</file>
+
+<file path=ppt/slides/slide4.xml><?xml version="1.0" encoding="utf-8"?>
+<p:sld xmlns:a="http://schemas.openxmlformats.org/drawingml/2006/main" xmlns:r="http://schemas.openxmlformats.org/officeDocument/2006/relationships" xmlns:p="http://schemas.openxmlformats.org/presentationml/2006/main">
+  <p:cSld>
+    <p:spTree>
+      <p:nvGrpSpPr>
+        <p:cNvPr id="1" name=""/>
+        <p:cNvGrpSpPr/>
+        <p:nvPr/>
+      </p:nvGrpSpPr>
+      <p:grpSpPr>
+        <a:xfrm>
+          <a:off x="0" y="0"/>
+          <a:ext cx="0" cy="0"/>
+          <a:chOff x="0" y="0"/>
+          <a:chExt cx="0" cy="0"/>
+        </a:xfrm>
+      </p:grpSpPr>
+      <p:sp>
+        <p:nvSpPr>
+          <p:cNvPr id="2" name="Title 1">
+            <a:extLst>
+              <a:ext uri="{FF2B5EF4-FFF2-40B4-BE49-F238E27FC236}">
+                <a16:creationId xmlns:a16="http://schemas.microsoft.com/office/drawing/2014/main" id="{B8AA1023-779D-0D47-BCE4-899929076AD1}"/>
+              </a:ext>
+            </a:extLst>
+          </p:cNvPr>
+          <p:cNvSpPr>
+            <a:spLocks noGrp="1"/>
+          </p:cNvSpPr>
+          <p:nvPr>
+            <p:ph type="title"/>
+          </p:nvPr>
+        </p:nvSpPr>
+        <p:spPr/>
+        <p:txBody>
+          <a:bodyPr/>
+          <a:lstStyle/>
+          <a:p>
+            <a:r>
+              <a:rPr lang="en-US" dirty="0"/>
+              <a:t>What’s in a module?</a:t>
+            </a:r>
+          </a:p>
+        </p:txBody>
+      </p:sp>
+      <p:sp>
+        <p:nvSpPr>
+          <p:cNvPr id="7" name="Content Placeholder 6">
+            <a:extLst>
+              <a:ext uri="{FF2B5EF4-FFF2-40B4-BE49-F238E27FC236}">
+                <a16:creationId xmlns:a16="http://schemas.microsoft.com/office/drawing/2014/main" id="{5A446D76-08C8-5649-8C49-46F8798D0E43}"/>
+              </a:ext>
+            </a:extLst>
+          </p:cNvPr>
+          <p:cNvSpPr>
+            <a:spLocks noGrp="1"/>
+          </p:cNvSpPr>
+          <p:nvPr>
+            <p:ph idx="1"/>
+          </p:nvPr>
+        </p:nvSpPr>
+        <p:spPr/>
+        <p:txBody>
+          <a:bodyPr/>
+          <a:lstStyle/>
+          <a:p>
+            <a:r>
+              <a:rPr lang="en-US" dirty="0"/>
+              <a:t>Use </a:t>
+            </a:r>
+            <a:r>
+              <a:rPr lang="en-US" b="1" dirty="0" err="1"/>
+              <a:t>dir</a:t>
+            </a:r>
+            <a:r>
+              <a:rPr lang="en-US" b="1" dirty="0"/>
+              <a:t>()</a:t>
+            </a:r>
+            <a:r>
+              <a:rPr lang="en-US" dirty="0"/>
+              <a:t> to look at module contents (or google)</a:t>
+            </a:r>
+          </a:p>
+          <a:p>
+            <a:r>
+              <a:rPr lang="en-US" dirty="0"/>
+              <a:t>There are functions as well as variables in </a:t>
+            </a:r>
+            <a:r>
+              <a:rPr lang="en-US" b="1" dirty="0" err="1"/>
+              <a:t>math.py</a:t>
+            </a:r>
+            <a:r>
+              <a:rPr lang="en-US" dirty="0"/>
+              <a:t>:</a:t>
+            </a:r>
+          </a:p>
+        </p:txBody>
+      </p:sp>
+      <p:pic>
+        <p:nvPicPr>
+          <p:cNvPr id="8" name="Content Placeholder 4">
+            <a:extLst>
+              <a:ext uri="{FF2B5EF4-FFF2-40B4-BE49-F238E27FC236}">
+                <a16:creationId xmlns:a16="http://schemas.microsoft.com/office/drawing/2014/main" id="{03BF8472-B23A-204D-80F3-FC6B5D789FD5}"/>
+              </a:ext>
+            </a:extLst>
+          </p:cNvPr>
+          <p:cNvPicPr>
+            <a:picLocks noChangeAspect="1"/>
+          </p:cNvPicPr>
+          <p:nvPr/>
+        </p:nvPicPr>
+        <p:blipFill>
+          <a:blip r:embed="rId2"/>
+          <a:stretch>
+            <a:fillRect/>
+          </a:stretch>
+        </p:blipFill>
+        <p:spPr>
+          <a:xfrm>
+            <a:off x="946150" y="3011522"/>
+            <a:ext cx="10299700" cy="2933700"/>
+          </a:xfrm>
+          <a:prstGeom prst="rect">
+            <a:avLst/>
+          </a:prstGeom>
+        </p:spPr>
+      </p:pic>
+      <p:sp>
+        <p:nvSpPr>
+          <p:cNvPr id="9" name="Rectangle 8">
+            <a:extLst>
+              <a:ext uri="{FF2B5EF4-FFF2-40B4-BE49-F238E27FC236}">
+                <a16:creationId xmlns:a16="http://schemas.microsoft.com/office/drawing/2014/main" id="{36E023E9-711E-5D43-AA5C-2C3F65BA93E0}"/>
+              </a:ext>
+            </a:extLst>
+          </p:cNvPr>
+          <p:cNvSpPr/>
+          <p:nvPr/>
+        </p:nvSpPr>
+        <p:spPr>
+          <a:xfrm>
+            <a:off x="1638017" y="4045898"/>
+            <a:ext cx="646044" cy="318052"/>
+          </a:xfrm>
+          <a:prstGeom prst="rect">
+            <a:avLst/>
+          </a:prstGeom>
+          <a:noFill/>
+          <a:ln w="25400">
+            <a:solidFill>
+              <a:srgbClr val="E4754F"/>
+            </a:solidFill>
+          </a:ln>
+        </p:spPr>
+        <p:style>
+          <a:lnRef idx="2">
+            <a:schemeClr val="accent1">
+              <a:shade val="50000"/>
+            </a:schemeClr>
+          </a:lnRef>
+          <a:fillRef idx="1">
+            <a:schemeClr val="accent1"/>
+          </a:fillRef>
+          <a:effectRef idx="0">
+            <a:schemeClr val="accent1"/>
+          </a:effectRef>
+          <a:fontRef idx="minor">
+            <a:schemeClr val="lt1"/>
+          </a:fontRef>
+        </p:style>
+        <p:txBody>
+          <a:bodyPr rtlCol="0" anchor="ctr"/>
+          <a:lstStyle/>
+          <a:p>
+            <a:pPr algn="ctr"/>
+            <a:endParaRPr lang="en-US"/>
+          </a:p>
+        </p:txBody>
+      </p:sp>
+    </p:spTree>
+    <p:extLst>
+      <p:ext uri="{BB962C8B-B14F-4D97-AF65-F5344CB8AC3E}">
+        <p14:creationId xmlns:p14="http://schemas.microsoft.com/office/powerpoint/2010/main" val="3091378573"/>
+      </p:ext>
+    </p:extLst>
+  </p:cSld>
+  <p:clrMapOvr>
+    <a:masterClrMapping/>
+  </p:clrMapOvr>
+</p:sld>
+</file>
+
+<file path=ppt/slides/slide5.xml><?xml version="1.0" encoding="utf-8"?>
+<p:sld xmlns:a="http://schemas.openxmlformats.org/drawingml/2006/main" xmlns:r="http://schemas.openxmlformats.org/officeDocument/2006/relationships" xmlns:p="http://schemas.openxmlformats.org/presentationml/2006/main">
+  <p:cSld>
+    <p:spTree>
+      <p:nvGrpSpPr>
+        <p:cNvPr id="1" name=""/>
+        <p:cNvGrpSpPr/>
+        <p:nvPr/>
+      </p:nvGrpSpPr>
+      <p:grpSpPr>
+        <a:xfrm>
+          <a:off x="0" y="0"/>
+          <a:ext cx="0" cy="0"/>
+          <a:chOff x="0" y="0"/>
+          <a:chExt cx="0" cy="0"/>
+        </a:xfrm>
+      </p:grpSpPr>
+      <p:sp>
+        <p:nvSpPr>
+          <p:cNvPr id="2" name="Title 1">
+            <a:extLst>
+              <a:ext uri="{FF2B5EF4-FFF2-40B4-BE49-F238E27FC236}">
+                <a16:creationId xmlns:a16="http://schemas.microsoft.com/office/drawing/2014/main" id="{3FF0BDC5-0874-8041-A69C-CF1C3F234D99}"/>
+              </a:ext>
+            </a:extLst>
+          </p:cNvPr>
+          <p:cNvSpPr>
+            <a:spLocks noGrp="1"/>
+          </p:cNvSpPr>
+          <p:nvPr>
+            <p:ph type="title"/>
+          </p:nvPr>
+        </p:nvSpPr>
+        <p:spPr/>
+        <p:txBody>
+          <a:bodyPr/>
+          <a:lstStyle/>
+          <a:p>
+            <a:r>
+              <a:rPr lang="en-US" dirty="0"/>
+              <a:t>Some key terminology</a:t>
+            </a:r>
+          </a:p>
+        </p:txBody>
+      </p:sp>
+      <p:sp>
+        <p:nvSpPr>
+          <p:cNvPr id="3" name="Content Placeholder 2">
+            <a:extLst>
+              <a:ext uri="{FF2B5EF4-FFF2-40B4-BE49-F238E27FC236}">
+                <a16:creationId xmlns:a16="http://schemas.microsoft.com/office/drawing/2014/main" id="{5FA73AD2-49D2-3D44-952B-C36E593F8619}"/>
+              </a:ext>
+            </a:extLst>
+          </p:cNvPr>
+          <p:cNvSpPr>
+            <a:spLocks noGrp="1"/>
+          </p:cNvSpPr>
+          <p:nvPr>
+            <p:ph idx="1"/>
+          </p:nvPr>
+        </p:nvSpPr>
+        <p:spPr/>
+        <p:txBody>
+          <a:bodyPr/>
+          <a:lstStyle/>
+          <a:p>
+            <a:r>
+              <a:rPr lang="en-US" dirty="0"/>
+              <a:t>A script .</a:t>
+            </a:r>
+            <a:r>
+              <a:rPr lang="en-US" dirty="0" err="1"/>
+              <a:t>py</a:t>
+            </a:r>
+            <a:r>
+              <a:rPr lang="en-US" dirty="0"/>
+              <a:t> file is also called a </a:t>
+            </a:r>
+            <a:r>
+              <a:rPr lang="en-US" i="1" dirty="0"/>
+              <a:t>module</a:t>
+            </a:r>
+            <a:r>
+              <a:rPr lang="en-US" dirty="0"/>
+              <a:t>; if </a:t>
+            </a:r>
+            <a:r>
+              <a:rPr lang="en-US" b="1" dirty="0" err="1"/>
+              <a:t>a.py</a:t>
+            </a:r>
+            <a:r>
+              <a:rPr lang="en-US" dirty="0"/>
+              <a:t> imports module </a:t>
+            </a:r>
+            <a:r>
+              <a:rPr lang="en-US" b="1" dirty="0"/>
+              <a:t>b</a:t>
+            </a:r>
+            <a:r>
+              <a:rPr lang="en-US" dirty="0"/>
+              <a:t> then </a:t>
+            </a:r>
+            <a:r>
+              <a:rPr lang="en-US" b="1" dirty="0" err="1"/>
+              <a:t>a.py</a:t>
+            </a:r>
+            <a:r>
+              <a:rPr lang="en-US" b="1" dirty="0"/>
+              <a:t> </a:t>
+            </a:r>
+            <a:r>
+              <a:rPr lang="en-US" dirty="0"/>
+              <a:t>can access the variables and functions in file </a:t>
+            </a:r>
+            <a:r>
+              <a:rPr lang="en-US" b="1" dirty="0" err="1"/>
+              <a:t>b.py</a:t>
+            </a:r>
+            <a:endParaRPr lang="en-US" b="1" dirty="0"/>
+          </a:p>
+          <a:p>
+            <a:r>
+              <a:rPr lang="en-US" dirty="0"/>
+              <a:t>A directory containing module file(s) is called a </a:t>
+            </a:r>
+            <a:r>
+              <a:rPr lang="en-US" i="1" dirty="0"/>
+              <a:t>package</a:t>
+            </a:r>
+            <a:r>
+              <a:rPr lang="en-US" dirty="0"/>
+              <a:t>; if directory </a:t>
+            </a:r>
+            <a:r>
+              <a:rPr lang="en-US" b="1" dirty="0"/>
+              <a:t>p</a:t>
+            </a:r>
+            <a:r>
+              <a:rPr lang="en-US" dirty="0"/>
+              <a:t> contains module file </a:t>
+            </a:r>
+            <a:r>
+              <a:rPr lang="en-US" b="1" dirty="0" err="1"/>
+              <a:t>m.py</a:t>
+            </a:r>
+            <a:r>
+              <a:rPr lang="en-US" dirty="0"/>
+              <a:t>, then a script like </a:t>
+            </a:r>
+            <a:r>
+              <a:rPr lang="en-US" b="1" dirty="0" err="1"/>
+              <a:t>foo.py</a:t>
+            </a:r>
+            <a:r>
+              <a:rPr lang="en-US" dirty="0"/>
+              <a:t> can </a:t>
+            </a:r>
+            <a:r>
+              <a:rPr lang="en-US" b="1" dirty="0"/>
+              <a:t>import </a:t>
+            </a:r>
+            <a:r>
+              <a:rPr lang="en-US" b="1" dirty="0" err="1"/>
+              <a:t>p.m</a:t>
+            </a:r>
+            <a:r>
+              <a:rPr lang="en-US" dirty="0"/>
+              <a:t> to access the goodies from </a:t>
+            </a:r>
+            <a:r>
+              <a:rPr lang="en-US" b="1" dirty="0" err="1"/>
+              <a:t>m.py</a:t>
+            </a:r>
+            <a:endParaRPr lang="en-US" b="1" dirty="0"/>
+          </a:p>
+          <a:p>
+            <a:r>
+              <a:rPr lang="en-US" dirty="0"/>
+              <a:t> Example from my </a:t>
+            </a:r>
+            <a:r>
+              <a:rPr lang="en-US" b="1" dirty="0" err="1"/>
+              <a:t>dtreeviz</a:t>
+            </a:r>
+            <a:r>
+              <a:rPr lang="en-US" dirty="0"/>
+              <a:t> package:</a:t>
+            </a:r>
+          </a:p>
+        </p:txBody>
+      </p:sp>
+      <p:pic>
+        <p:nvPicPr>
+          <p:cNvPr id="5" name="Picture 4">
+            <a:extLst>
+              <a:ext uri="{FF2B5EF4-FFF2-40B4-BE49-F238E27FC236}">
+                <a16:creationId xmlns:a16="http://schemas.microsoft.com/office/drawing/2014/main" id="{E0E9B03F-BF97-084C-8EBC-94E22C31A413}"/>
+              </a:ext>
+            </a:extLst>
+          </p:cNvPr>
+          <p:cNvPicPr>
+            <a:picLocks noChangeAspect="1"/>
+          </p:cNvPicPr>
+          <p:nvPr/>
+        </p:nvPicPr>
+        <p:blipFill>
+          <a:blip r:embed="rId2"/>
+          <a:stretch>
+            <a:fillRect/>
+          </a:stretch>
+        </p:blipFill>
+        <p:spPr>
+          <a:xfrm>
+            <a:off x="7193170" y="4135231"/>
+            <a:ext cx="2242558" cy="2041732"/>
+          </a:xfrm>
+          <a:prstGeom prst="rect">
+            <a:avLst/>
+          </a:prstGeom>
+        </p:spPr>
+      </p:pic>
+      <p:sp>
+        <p:nvSpPr>
+          <p:cNvPr id="6" name="TextBox 5">
+            <a:extLst>
+              <a:ext uri="{FF2B5EF4-FFF2-40B4-BE49-F238E27FC236}">
+                <a16:creationId xmlns:a16="http://schemas.microsoft.com/office/drawing/2014/main" id="{8BC5EFB0-8770-2144-8201-3DE577561739}"/>
+              </a:ext>
+            </a:extLst>
+          </p:cNvPr>
+          <p:cNvSpPr txBox="1"/>
+          <p:nvPr/>
+        </p:nvSpPr>
+        <p:spPr>
+          <a:xfrm>
+            <a:off x="2951922" y="4681330"/>
+            <a:ext cx="3409121" cy="646331"/>
+          </a:xfrm>
+          <a:prstGeom prst="rect">
+            <a:avLst/>
+          </a:prstGeom>
+          <a:noFill/>
+        </p:spPr>
+        <p:txBody>
+          <a:bodyPr wrap="square" rtlCol="0">
+            <a:spAutoFit/>
+          </a:bodyPr>
+          <a:lstStyle/>
+          <a:p>
+            <a:r>
+              <a:rPr lang="en-US" dirty="0"/>
+              <a:t>Tells Python this is a package vs a plain directory</a:t>
+            </a:r>
+          </a:p>
+        </p:txBody>
+      </p:sp>
+      <p:cxnSp>
+        <p:nvCxnSpPr>
+          <p:cNvPr id="8" name="Straight Arrow Connector 7">
+            <a:extLst>
+              <a:ext uri="{FF2B5EF4-FFF2-40B4-BE49-F238E27FC236}">
+                <a16:creationId xmlns:a16="http://schemas.microsoft.com/office/drawing/2014/main" id="{9267D80F-1951-D540-BA47-3F0A4E680FC5}"/>
+              </a:ext>
+            </a:extLst>
+          </p:cNvPr>
+          <p:cNvCxnSpPr>
+            <a:cxnSpLocks/>
+          </p:cNvCxnSpPr>
+          <p:nvPr/>
+        </p:nvCxnSpPr>
+        <p:spPr>
+          <a:xfrm flipV="1">
+            <a:off x="6096000" y="4681330"/>
+            <a:ext cx="1656522" cy="178905"/>
+          </a:xfrm>
+          <a:prstGeom prst="straightConnector1">
+            <a:avLst/>
+          </a:prstGeom>
+          <a:ln>
+            <a:solidFill>
+              <a:srgbClr val="E4754F"/>
+            </a:solidFill>
+            <a:tailEnd type="triangle"/>
+          </a:ln>
+        </p:spPr>
+        <p:style>
+          <a:lnRef idx="1">
+            <a:schemeClr val="accent1"/>
+          </a:lnRef>
+          <a:fillRef idx="0">
+            <a:schemeClr val="accent1"/>
+          </a:fillRef>
+          <a:effectRef idx="0">
+            <a:schemeClr val="accent1"/>
+          </a:effectRef>
+          <a:fontRef idx="minor">
+            <a:schemeClr val="tx1"/>
+          </a:fontRef>
+        </p:style>
+      </p:cxnSp>
+    </p:spTree>
+    <p:extLst>
+      <p:ext uri="{BB962C8B-B14F-4D97-AF65-F5344CB8AC3E}">
+        <p14:creationId xmlns:p14="http://schemas.microsoft.com/office/powerpoint/2010/main" val="898370288"/>
+      </p:ext>
+    </p:extLst>
+  </p:cSld>
+  <p:clrMapOvr>
+    <a:masterClrMapping/>
+  </p:clrMapOvr>
+</p:sld>
+</file>
+
+<file path=ppt/slides/slide6.xml><?xml version="1.0" encoding="utf-8"?>
+<p:sld xmlns:a="http://schemas.openxmlformats.org/drawingml/2006/main" xmlns:r="http://schemas.openxmlformats.org/officeDocument/2006/relationships" xmlns:p="http://schemas.openxmlformats.org/presentationml/2006/main">
+  <p:cSld>
+    <p:spTree>
+      <p:nvGrpSpPr>
+        <p:cNvPr id="1" name=""/>
+        <p:cNvGrpSpPr/>
+        <p:nvPr/>
+      </p:nvGrpSpPr>
+      <p:grpSpPr>
+        <a:xfrm>
+          <a:off x="0" y="0"/>
+          <a:ext cx="0" cy="0"/>
+          <a:chOff x="0" y="0"/>
+          <a:chExt cx="0" cy="0"/>
+        </a:xfrm>
+      </p:grpSpPr>
+      <p:sp>
+        <p:nvSpPr>
+          <p:cNvPr id="2" name="Title 1">
+            <a:extLst>
+              <a:ext uri="{FF2B5EF4-FFF2-40B4-BE49-F238E27FC236}">
+                <a16:creationId xmlns:a16="http://schemas.microsoft.com/office/drawing/2014/main" id="{48A8EA22-BEC9-934D-8827-A2434B6A3E36}"/>
+              </a:ext>
+            </a:extLst>
+          </p:cNvPr>
+          <p:cNvSpPr>
+            <a:spLocks noGrp="1"/>
+          </p:cNvSpPr>
+          <p:nvPr>
+            <p:ph type="title"/>
+          </p:nvPr>
+        </p:nvSpPr>
+        <p:spPr/>
+        <p:txBody>
+          <a:bodyPr/>
+          <a:lstStyle/>
+          <a:p>
+            <a:r>
+              <a:rPr lang="en-US" dirty="0"/>
+              <a:t>Example: </a:t>
+            </a:r>
+            <a:r>
+              <a:rPr lang="en-US" b="1" dirty="0" err="1"/>
+              <a:t>numpy</a:t>
+            </a:r>
+            <a:r>
+              <a:rPr lang="en-US" dirty="0"/>
+              <a:t> package</a:t>
+            </a:r>
+          </a:p>
+        </p:txBody>
+      </p:sp>
+      <p:sp>
+        <p:nvSpPr>
+          <p:cNvPr id="9" name="Content Placeholder 8">
+            <a:extLst>
+              <a:ext uri="{FF2B5EF4-FFF2-40B4-BE49-F238E27FC236}">
+                <a16:creationId xmlns:a16="http://schemas.microsoft.com/office/drawing/2014/main" id="{889FA26A-FC9C-0345-9F3A-49532467F580}"/>
+              </a:ext>
+            </a:extLst>
+          </p:cNvPr>
+          <p:cNvSpPr>
+            <a:spLocks noGrp="1"/>
+          </p:cNvSpPr>
+          <p:nvPr>
+            <p:ph idx="1"/>
+          </p:nvPr>
+        </p:nvSpPr>
+        <p:spPr/>
+        <p:txBody>
+          <a:bodyPr/>
+          <a:lstStyle/>
+          <a:p>
+            <a:r>
+              <a:rPr lang="en-US" dirty="0"/>
+              <a:t>NumPy is a library whose outermost package is called </a:t>
+            </a:r>
+            <a:r>
+              <a:rPr lang="en-US" b="1" dirty="0" err="1"/>
+              <a:t>numpy</a:t>
+            </a:r>
+            <a:r>
+              <a:rPr lang="en-US" dirty="0"/>
+              <a:t> with a </a:t>
+            </a:r>
+            <a:r>
+              <a:rPr lang="en-US" b="1" dirty="0"/>
+              <a:t>random</a:t>
+            </a:r>
+            <a:r>
+              <a:rPr lang="en-US" dirty="0"/>
+              <a:t> module that has a </a:t>
+            </a:r>
+            <a:r>
+              <a:rPr lang="en-US" b="1" dirty="0" err="1"/>
+              <a:t>randint</a:t>
+            </a:r>
+            <a:r>
+              <a:rPr lang="en-US" b="1" dirty="0"/>
+              <a:t>()</a:t>
+            </a:r>
+            <a:r>
+              <a:rPr lang="en-US" dirty="0"/>
+              <a:t> function:</a:t>
+            </a:r>
+          </a:p>
+        </p:txBody>
+      </p:sp>
+      <p:pic>
+        <p:nvPicPr>
+          <p:cNvPr id="13" name="Picture 12">
+            <a:extLst>
+              <a:ext uri="{FF2B5EF4-FFF2-40B4-BE49-F238E27FC236}">
+                <a16:creationId xmlns:a16="http://schemas.microsoft.com/office/drawing/2014/main" id="{D1064E46-B7A9-364D-A07D-3CE0314D3E73}"/>
+              </a:ext>
+            </a:extLst>
+          </p:cNvPr>
+          <p:cNvPicPr>
+            <a:picLocks noChangeAspect="1"/>
+          </p:cNvPicPr>
+          <p:nvPr/>
+        </p:nvPicPr>
+        <p:blipFill>
+          <a:blip r:embed="rId2"/>
+          <a:stretch>
+            <a:fillRect/>
+          </a:stretch>
+        </p:blipFill>
+        <p:spPr>
+          <a:xfrm>
+            <a:off x="1790700" y="3089965"/>
+            <a:ext cx="8610600" cy="2387600"/>
+          </a:xfrm>
+          <a:prstGeom prst="rect">
+            <a:avLst/>
+          </a:prstGeom>
+        </p:spPr>
+      </p:pic>
+    </p:spTree>
+    <p:extLst>
+      <p:ext uri="{BB962C8B-B14F-4D97-AF65-F5344CB8AC3E}">
+        <p14:creationId xmlns:p14="http://schemas.microsoft.com/office/powerpoint/2010/main" val="3141132649"/>
+      </p:ext>
+    </p:extLst>
+  </p:cSld>
+  <p:clrMapOvr>
+    <a:masterClrMapping/>
+  </p:clrMapOvr>
+</p:sld>
+</file>
+
+<file path=ppt/slides/slide7.xml><?xml version="1.0" encoding="utf-8"?>
+<p:sld xmlns:a="http://schemas.openxmlformats.org/drawingml/2006/main" xmlns:r="http://schemas.openxmlformats.org/officeDocument/2006/relationships" xmlns:p="http://schemas.openxmlformats.org/presentationml/2006/main">
+  <p:cSld>
+    <p:spTree>
+      <p:nvGrpSpPr>
+        <p:cNvPr id="1" name=""/>
+        <p:cNvGrpSpPr/>
+        <p:nvPr/>
+      </p:nvGrpSpPr>
+      <p:grpSpPr>
+        <a:xfrm>
+          <a:off x="0" y="0"/>
+          <a:ext cx="0" cy="0"/>
+          <a:chOff x="0" y="0"/>
+          <a:chExt cx="0" cy="0"/>
+        </a:xfrm>
+      </p:grpSpPr>
+      <p:sp>
+        <p:nvSpPr>
+          <p:cNvPr id="2" name="Title 1">
+            <a:extLst>
+              <a:ext uri="{FF2B5EF4-FFF2-40B4-BE49-F238E27FC236}">
+                <a16:creationId xmlns:a16="http://schemas.microsoft.com/office/drawing/2014/main" id="{6325A27C-6289-0C44-B8CE-6F9067710829}"/>
+              </a:ext>
+            </a:extLst>
+          </p:cNvPr>
+          <p:cNvSpPr>
+            <a:spLocks noGrp="1"/>
+          </p:cNvSpPr>
+          <p:nvPr>
+            <p:ph type="title"/>
+          </p:nvPr>
+        </p:nvSpPr>
+        <p:spPr/>
+        <p:txBody>
+          <a:bodyPr/>
+          <a:lstStyle/>
+          <a:p>
+            <a:r>
+              <a:rPr lang="en-US" dirty="0"/>
+              <a:t>Installing more libraries</a:t>
+            </a:r>
+          </a:p>
+        </p:txBody>
+      </p:sp>
+      <p:sp>
+        <p:nvSpPr>
+          <p:cNvPr id="3" name="Content Placeholder 2">
+            <a:extLst>
+              <a:ext uri="{FF2B5EF4-FFF2-40B4-BE49-F238E27FC236}">
+                <a16:creationId xmlns:a16="http://schemas.microsoft.com/office/drawing/2014/main" id="{49179C3E-F9A0-CB4E-AC39-C4FB2DF07F46}"/>
+              </a:ext>
+            </a:extLst>
+          </p:cNvPr>
+          <p:cNvSpPr>
+            <a:spLocks noGrp="1"/>
+          </p:cNvSpPr>
+          <p:nvPr>
+            <p:ph idx="1"/>
+          </p:nvPr>
+        </p:nvSpPr>
+        <p:spPr>
+          <a:xfrm>
+            <a:off x="838200" y="1590261"/>
+            <a:ext cx="10515600" cy="4586702"/>
+          </a:xfrm>
+        </p:spPr>
+        <p:txBody>
+          <a:bodyPr>
+            <a:normAutofit/>
+          </a:bodyPr>
+          <a:lstStyle/>
+          <a:p>
+            <a:r>
+              <a:rPr lang="en-US" dirty="0"/>
+              <a:t>We recommend that you install Anaconda’s Python bundle, which includes most of the stuff we need for machine learning</a:t>
+            </a:r>
+          </a:p>
+          <a:p>
+            <a:r>
+              <a:rPr lang="en-US" dirty="0"/>
+              <a:t>We can </a:t>
+            </a:r>
+            <a:r>
+              <a:rPr lang="en-US" b="1" dirty="0"/>
+              <a:t>import</a:t>
+            </a:r>
+            <a:r>
+              <a:rPr lang="en-US" dirty="0"/>
+              <a:t> any of the predefined Python libraries or the preinstalled libraries in Anaconda</a:t>
+            </a:r>
+          </a:p>
+          <a:p>
+            <a:r>
+              <a:rPr lang="en-US" dirty="0"/>
+              <a:t>There are a huge number of useful Python packages that are likely not currently installed on your machine; this is analogous to all of the uninstalled apps you see in the app store</a:t>
+            </a:r>
+          </a:p>
+          <a:p>
+            <a:r>
+              <a:rPr lang="en-US" dirty="0"/>
+              <a:t>To install library foo: </a:t>
+            </a:r>
+            <a:r>
+              <a:rPr lang="en-US" b="1" dirty="0"/>
+              <a:t>pip install foo</a:t>
+            </a:r>
+          </a:p>
+          <a:p>
+            <a:r>
+              <a:rPr lang="en-US" dirty="0"/>
+              <a:t>There is another package manager called </a:t>
+            </a:r>
+            <a:r>
+              <a:rPr lang="en-US" b="1" dirty="0" err="1"/>
+              <a:t>conda</a:t>
+            </a:r>
+            <a:r>
+              <a:rPr lang="en-US" dirty="0"/>
+              <a:t>, which is more sophisticated than pip (can installed C++ code, </a:t>
+            </a:r>
+            <a:r>
+              <a:rPr lang="en-US" dirty="0" err="1"/>
+              <a:t>etc</a:t>
+            </a:r>
+            <a:r>
+              <a:rPr lang="en-US" dirty="0"/>
+              <a:t>…)</a:t>
+            </a:r>
+          </a:p>
+        </p:txBody>
+      </p:sp>
+    </p:spTree>
+    <p:extLst>
+      <p:ext uri="{BB962C8B-B14F-4D97-AF65-F5344CB8AC3E}">
+        <p14:creationId xmlns:p14="http://schemas.microsoft.com/office/powerpoint/2010/main" val="4071625810"/>
+      </p:ext>
+    </p:extLst>
+  </p:cSld>
+  <p:clrMapOvr>
+    <a:masterClrMapping/>
+  </p:clrMapOvr>
+</p:sld>
+</file>
+
+<file path=ppt/slides/slide8.xml><?xml version="1.0" encoding="utf-8"?>
+<p:sld xmlns:a="http://schemas.openxmlformats.org/drawingml/2006/main" xmlns:r="http://schemas.openxmlformats.org/officeDocument/2006/relationships" xmlns:p="http://schemas.openxmlformats.org/presentationml/2006/main">
+  <p:cSld>
+    <p:spTree>
+      <p:nvGrpSpPr>
+        <p:cNvPr id="1" name=""/>
+        <p:cNvGrpSpPr/>
+        <p:nvPr/>
+      </p:nvGrpSpPr>
+      <p:grpSpPr>
+        <a:xfrm>
+          <a:off x="0" y="0"/>
+          <a:ext cx="0" cy="0"/>
+          <a:chOff x="0" y="0"/>
+          <a:chExt cx="0" cy="0"/>
+        </a:xfrm>
+      </p:grpSpPr>
+      <p:sp>
+        <p:nvSpPr>
+          <p:cNvPr id="2" name="Title 1">
+            <a:extLst>
+              <a:ext uri="{FF2B5EF4-FFF2-40B4-BE49-F238E27FC236}">
+                <a16:creationId xmlns:a16="http://schemas.microsoft.com/office/drawing/2014/main" id="{8ABD0219-E968-CB4A-B0C4-80E1CF2BC21B}"/>
+              </a:ext>
+            </a:extLst>
+          </p:cNvPr>
+          <p:cNvSpPr>
+            <a:spLocks noGrp="1"/>
+          </p:cNvSpPr>
+          <p:nvPr>
+            <p:ph type="title"/>
+          </p:nvPr>
+        </p:nvSpPr>
+        <p:spPr/>
+        <p:txBody>
+          <a:bodyPr/>
+          <a:lstStyle/>
+          <a:p>
+            <a:r>
+              <a:rPr lang="en-US" dirty="0"/>
+              <a:t>Example: installing </a:t>
+            </a:r>
+            <a:r>
+              <a:rPr lang="en-US" dirty="0" err="1"/>
+              <a:t>lolviz</a:t>
+            </a:r>
+            <a:endParaRPr lang="en-US" dirty="0"/>
+          </a:p>
+        </p:txBody>
+      </p:sp>
+      <p:sp>
+        <p:nvSpPr>
+          <p:cNvPr id="3" name="Content Placeholder 2">
+            <a:extLst>
+              <a:ext uri="{FF2B5EF4-FFF2-40B4-BE49-F238E27FC236}">
+                <a16:creationId xmlns:a16="http://schemas.microsoft.com/office/drawing/2014/main" id="{CBEFA147-D0D6-3A41-ABEB-49E450252233}"/>
+              </a:ext>
+            </a:extLst>
+          </p:cNvPr>
+          <p:cNvSpPr>
+            <a:spLocks noGrp="1"/>
+          </p:cNvSpPr>
+          <p:nvPr>
+            <p:ph idx="1"/>
+          </p:nvPr>
+        </p:nvSpPr>
+        <p:spPr>
+          <a:xfrm>
+            <a:off x="838200" y="1825625"/>
+            <a:ext cx="6804991" cy="4351338"/>
+          </a:xfrm>
+        </p:spPr>
+        <p:txBody>
+          <a:bodyPr/>
+          <a:lstStyle/>
+          <a:p>
+            <a:r>
+              <a:rPr lang="en-US" dirty="0" err="1"/>
+              <a:t>lolviz</a:t>
+            </a:r>
+            <a:r>
+              <a:rPr lang="en-US" dirty="0"/>
+              <a:t> is a package I built to display data structures</a:t>
+            </a:r>
+          </a:p>
+          <a:p>
+            <a:r>
+              <a:rPr lang="en-US" dirty="0"/>
+              <a:t>First, use the terminal to install </a:t>
+            </a:r>
+            <a:r>
+              <a:rPr lang="en-US" b="1" dirty="0" err="1"/>
+              <a:t>graphviz</a:t>
+            </a:r>
+            <a:r>
+              <a:rPr lang="en-US" dirty="0"/>
+              <a:t>, a program needed by my </a:t>
+            </a:r>
+            <a:r>
+              <a:rPr lang="en-US" dirty="0" err="1"/>
+              <a:t>lolviz</a:t>
+            </a:r>
+            <a:r>
+              <a:rPr lang="en-US" dirty="0"/>
+              <a:t> library: </a:t>
+            </a:r>
+            <a:r>
+              <a:rPr lang="en-US" b="1" dirty="0"/>
+              <a:t>brew install </a:t>
+            </a:r>
+            <a:r>
+              <a:rPr lang="en-US" b="1" dirty="0" err="1"/>
+              <a:t>graphviz</a:t>
+            </a:r>
+            <a:endParaRPr lang="en-US" b="1" dirty="0"/>
+          </a:p>
+          <a:p>
+            <a:r>
+              <a:rPr lang="en-US" dirty="0"/>
+              <a:t>Then, </a:t>
+            </a:r>
+            <a:r>
+              <a:rPr lang="en-US" b="1" dirty="0"/>
+              <a:t>pip install </a:t>
+            </a:r>
+            <a:r>
+              <a:rPr lang="en-US" b="1" dirty="0" err="1"/>
+              <a:t>lolviz</a:t>
+            </a:r>
+            <a:endParaRPr lang="en-US" b="1" dirty="0"/>
+          </a:p>
+          <a:p>
+            <a:pPr marL="0" indent="0">
+              <a:buNone/>
+            </a:pPr>
+            <a:endParaRPr lang="en-US" dirty="0"/>
+          </a:p>
+        </p:txBody>
+      </p:sp>
+      <p:pic>
+        <p:nvPicPr>
+          <p:cNvPr id="6" name="Picture 5">
+            <a:extLst>
+              <a:ext uri="{FF2B5EF4-FFF2-40B4-BE49-F238E27FC236}">
+                <a16:creationId xmlns:a16="http://schemas.microsoft.com/office/drawing/2014/main" id="{25799583-5790-024D-BC58-135F326104A4}"/>
+              </a:ext>
+            </a:extLst>
+          </p:cNvPr>
+          <p:cNvPicPr>
+            <a:picLocks noChangeAspect="1"/>
+          </p:cNvPicPr>
+          <p:nvPr/>
+        </p:nvPicPr>
+        <p:blipFill>
+          <a:blip r:embed="rId2"/>
+          <a:stretch>
+            <a:fillRect/>
+          </a:stretch>
+        </p:blipFill>
+        <p:spPr>
+          <a:xfrm>
+            <a:off x="7780406" y="931863"/>
+            <a:ext cx="4025900" cy="5245100"/>
+          </a:xfrm>
+          <a:prstGeom prst="rect">
+            <a:avLst/>
+          </a:prstGeom>
+        </p:spPr>
+      </p:pic>
+    </p:spTree>
+    <p:extLst>
+      <p:ext uri="{BB962C8B-B14F-4D97-AF65-F5344CB8AC3E}">
+        <p14:creationId xmlns:p14="http://schemas.microsoft.com/office/powerpoint/2010/main" val="3367304526"/>
+      </p:ext>
+    </p:extLst>
+  </p:cSld>
+  <p:clrMapOvr>
+    <a:masterClrMapping/>
+  </p:clrMapOvr>
+</p:sld>
+</file>
+
+<file path=ppt/slides/slide9.xml><?xml version="1.0" encoding="utf-8"?>
+<p:sld xmlns:a="http://schemas.openxmlformats.org/drawingml/2006/main" xmlns:r="http://schemas.openxmlformats.org/officeDocument/2006/relationships" xmlns:p="http://schemas.openxmlformats.org/presentationml/2006/main">
+  <p:cSld>
+    <p:spTree>
+      <p:nvGrpSpPr>
+        <p:cNvPr id="1" name=""/>
+        <p:cNvGrpSpPr/>
+        <p:nvPr/>
+      </p:nvGrpSpPr>
+      <p:grpSpPr>
+        <a:xfrm>
+          <a:off x="0" y="0"/>
+          <a:ext cx="0" cy="0"/>
+          <a:chOff x="0" y="0"/>
+          <a:chExt cx="0" cy="0"/>
+        </a:xfrm>
+      </p:grpSpPr>
+      <p:sp>
+        <p:nvSpPr>
+          <p:cNvPr id="2" name="Title 1">
+            <a:extLst>
+              <a:ext uri="{FF2B5EF4-FFF2-40B4-BE49-F238E27FC236}">
+                <a16:creationId xmlns:a16="http://schemas.microsoft.com/office/drawing/2014/main" id="{78877E8A-F8A5-2B4D-ADA9-FB4ED2CBD369}"/>
+              </a:ext>
+            </a:extLst>
+          </p:cNvPr>
+          <p:cNvSpPr>
+            <a:spLocks noGrp="1"/>
+          </p:cNvSpPr>
+          <p:nvPr>
+            <p:ph type="title"/>
+          </p:nvPr>
+        </p:nvSpPr>
+        <p:spPr/>
+        <p:txBody>
+          <a:bodyPr/>
+          <a:lstStyle/>
+          <a:p>
+            <a:r>
+              <a:rPr lang="en-US" dirty="0"/>
+              <a:t>Fancier notation</a:t>
+            </a:r>
+          </a:p>
+        </p:txBody>
+      </p:sp>
+      <p:sp>
+        <p:nvSpPr>
+          <p:cNvPr id="7" name="Content Placeholder 6">
+            <a:extLst>
+              <a:ext uri="{FF2B5EF4-FFF2-40B4-BE49-F238E27FC236}">
+                <a16:creationId xmlns:a16="http://schemas.microsoft.com/office/drawing/2014/main" id="{A0101F04-8B2D-574D-B39A-47CA992D95B7}"/>
+              </a:ext>
+            </a:extLst>
+          </p:cNvPr>
+          <p:cNvSpPr>
+            <a:spLocks noGrp="1"/>
+          </p:cNvSpPr>
+          <p:nvPr>
+            <p:ph idx="1"/>
+          </p:nvPr>
+        </p:nvSpPr>
+        <p:spPr>
+          <a:xfrm>
+            <a:off x="838200" y="1825625"/>
+            <a:ext cx="7004824" cy="4351338"/>
+          </a:xfrm>
+        </p:spPr>
+        <p:txBody>
+          <a:bodyPr>
+            <a:normAutofit lnSpcReduction="10000"/>
+          </a:bodyPr>
+          <a:lstStyle/>
+          <a:p>
+            <a:r>
+              <a:rPr lang="en-US" dirty="0"/>
+              <a:t>With some new notation, we can create a shorthand to access functions of interest more easily</a:t>
+            </a:r>
+            <a:br>
+              <a:rPr lang="en-US" dirty="0"/>
+            </a:br>
+            <a:br>
+              <a:rPr lang="en-US" dirty="0"/>
+            </a:br>
+            <a:r>
+              <a:rPr lang="en-US" dirty="0">
+                <a:latin typeface="Consolas" panose="020B0609020204030204" pitchFamily="49" charset="0"/>
+                <a:cs typeface="Consolas" panose="020B0609020204030204" pitchFamily="49" charset="0"/>
+              </a:rPr>
+              <a:t>from </a:t>
+            </a:r>
+            <a:r>
+              <a:rPr lang="en-US" i="1" dirty="0">
+                <a:latin typeface="Consolas" panose="020B0609020204030204" pitchFamily="49" charset="0"/>
+                <a:cs typeface="Consolas" panose="020B0609020204030204" pitchFamily="49" charset="0"/>
+              </a:rPr>
+              <a:t>module</a:t>
+            </a:r>
+            <a:r>
+              <a:rPr lang="en-US" dirty="0">
+                <a:latin typeface="Consolas" panose="020B0609020204030204" pitchFamily="49" charset="0"/>
+                <a:cs typeface="Consolas" panose="020B0609020204030204" pitchFamily="49" charset="0"/>
+              </a:rPr>
+              <a:t> import </a:t>
+            </a:r>
+            <a:r>
+              <a:rPr lang="en-US" i="1" dirty="0">
+                <a:latin typeface="Consolas" panose="020B0609020204030204" pitchFamily="49" charset="0"/>
+                <a:cs typeface="Consolas" panose="020B0609020204030204" pitchFamily="49" charset="0"/>
+              </a:rPr>
+              <a:t>x</a:t>
+            </a:r>
+            <a:r>
+              <a:rPr lang="en-US" dirty="0">
+                <a:latin typeface="Consolas" panose="020B0609020204030204" pitchFamily="49" charset="0"/>
+                <a:cs typeface="Consolas" panose="020B0609020204030204" pitchFamily="49" charset="0"/>
+              </a:rPr>
+              <a:t>, </a:t>
+            </a:r>
+            <a:r>
+              <a:rPr lang="en-US" i="1" dirty="0">
+                <a:latin typeface="Consolas" panose="020B0609020204030204" pitchFamily="49" charset="0"/>
+                <a:cs typeface="Consolas" panose="020B0609020204030204" pitchFamily="49" charset="0"/>
+              </a:rPr>
+              <a:t>y</a:t>
+            </a:r>
+            <a:r>
+              <a:rPr lang="en-US" dirty="0">
+                <a:latin typeface="Consolas" panose="020B0609020204030204" pitchFamily="49" charset="0"/>
+                <a:cs typeface="Consolas" panose="020B0609020204030204" pitchFamily="49" charset="0"/>
+              </a:rPr>
+              <a:t>, …, </a:t>
+            </a:r>
+            <a:r>
+              <a:rPr lang="en-US" i="1" dirty="0">
+                <a:latin typeface="Consolas" panose="020B0609020204030204" pitchFamily="49" charset="0"/>
+                <a:cs typeface="Consolas" panose="020B0609020204030204" pitchFamily="49" charset="0"/>
+              </a:rPr>
+              <a:t>z</a:t>
+            </a:r>
+            <a:br>
+              <a:rPr lang="en-US" i="1" dirty="0">
+                <a:latin typeface="Consolas" panose="020B0609020204030204" pitchFamily="49" charset="0"/>
+                <a:cs typeface="Consolas" panose="020B0609020204030204" pitchFamily="49" charset="0"/>
+              </a:rPr>
+            </a:br>
+            <a:endParaRPr lang="en-US" i="1" dirty="0">
+              <a:latin typeface="Consolas" panose="020B0609020204030204" pitchFamily="49" charset="0"/>
+              <a:cs typeface="Consolas" panose="020B0609020204030204" pitchFamily="49" charset="0"/>
+            </a:endParaRPr>
+          </a:p>
+          <a:p>
+            <a:r>
+              <a:rPr lang="en-US" dirty="0">
+                <a:latin typeface="Arial" panose="020B0604020202020204" pitchFamily="34" charset="0"/>
+                <a:cs typeface="Arial" panose="020B0604020202020204" pitchFamily="34" charset="0"/>
+              </a:rPr>
+              <a:t>It’s also very handy to create a shorter name for a package:</a:t>
+            </a:r>
+            <a:br>
+              <a:rPr lang="en-US" dirty="0">
+                <a:latin typeface="Arial" panose="020B0604020202020204" pitchFamily="34" charset="0"/>
+                <a:cs typeface="Arial" panose="020B0604020202020204" pitchFamily="34" charset="0"/>
+              </a:rPr>
+            </a:br>
+            <a:br>
+              <a:rPr lang="en-US" dirty="0">
+                <a:latin typeface="Arial" panose="020B0604020202020204" pitchFamily="34" charset="0"/>
+                <a:cs typeface="Arial" panose="020B0604020202020204" pitchFamily="34" charset="0"/>
+              </a:rPr>
+            </a:br>
+            <a:r>
+              <a:rPr lang="en-US" dirty="0">
+                <a:latin typeface="Consolas" panose="020B0609020204030204" pitchFamily="49" charset="0"/>
+                <a:cs typeface="Consolas" panose="020B0609020204030204" pitchFamily="49" charset="0"/>
+              </a:rPr>
+              <a:t>import </a:t>
+            </a:r>
+            <a:r>
+              <a:rPr lang="en-US" dirty="0" err="1">
+                <a:latin typeface="Consolas" panose="020B0609020204030204" pitchFamily="49" charset="0"/>
+                <a:cs typeface="Consolas" panose="020B0609020204030204" pitchFamily="49" charset="0"/>
+              </a:rPr>
+              <a:t>numpy</a:t>
+            </a:r>
+            <a:r>
+              <a:rPr lang="en-US" dirty="0">
+                <a:latin typeface="Consolas" panose="020B0609020204030204" pitchFamily="49" charset="0"/>
+                <a:cs typeface="Consolas" panose="020B0609020204030204" pitchFamily="49" charset="0"/>
+              </a:rPr>
+              <a:t> as np</a:t>
+            </a:r>
+            <a:br>
+              <a:rPr lang="en-US" dirty="0">
+                <a:latin typeface="Consolas" panose="020B0609020204030204" pitchFamily="49" charset="0"/>
+                <a:cs typeface="Consolas" panose="020B0609020204030204" pitchFamily="49" charset="0"/>
+              </a:rPr>
+            </a:br>
+            <a:r>
+              <a:rPr lang="en-US" dirty="0">
+                <a:latin typeface="Consolas" panose="020B0609020204030204" pitchFamily="49" charset="0"/>
+                <a:cs typeface="Consolas" panose="020B0609020204030204" pitchFamily="49" charset="0"/>
+              </a:rPr>
+              <a:t>import pandas as pd</a:t>
+            </a:r>
+            <a:br>
+              <a:rPr lang="en-US" dirty="0">
+                <a:latin typeface="Consolas" panose="020B0609020204030204" pitchFamily="49" charset="0"/>
+                <a:cs typeface="Consolas" panose="020B0609020204030204" pitchFamily="49" charset="0"/>
+              </a:rPr>
+            </a:br>
+            <a:r>
+              <a:rPr lang="en-US" dirty="0">
+                <a:latin typeface="Consolas" panose="020B0609020204030204" pitchFamily="49" charset="0"/>
+                <a:cs typeface="Consolas" panose="020B0609020204030204" pitchFamily="49" charset="0"/>
+              </a:rPr>
+              <a:t>A = </a:t>
+            </a:r>
+            <a:r>
+              <a:rPr lang="en-US" dirty="0" err="1">
+                <a:latin typeface="Consolas" panose="020B0609020204030204" pitchFamily="49" charset="0"/>
+                <a:cs typeface="Consolas" panose="020B0609020204030204" pitchFamily="49" charset="0"/>
+              </a:rPr>
+              <a:t>np.sum</a:t>
+            </a:r>
+            <a:r>
+              <a:rPr lang="en-US" dirty="0">
+                <a:latin typeface="Consolas" panose="020B0609020204030204" pitchFamily="49" charset="0"/>
+                <a:cs typeface="Consolas" panose="020B0609020204030204" pitchFamily="49" charset="0"/>
+              </a:rPr>
+              <a:t>([1,2,3])</a:t>
+            </a:r>
+          </a:p>
+        </p:txBody>
+      </p:sp>
+      <p:pic>
+        <p:nvPicPr>
+          <p:cNvPr id="8" name="Content Placeholder 4">
+            <a:extLst>
+              <a:ext uri="{FF2B5EF4-FFF2-40B4-BE49-F238E27FC236}">
+                <a16:creationId xmlns:a16="http://schemas.microsoft.com/office/drawing/2014/main" id="{69CFD4FE-942D-264D-94D0-31EA500AF122}"/>
+              </a:ext>
+            </a:extLst>
+          </p:cNvPr>
+          <p:cNvPicPr>
+            <a:picLocks noChangeAspect="1"/>
+          </p:cNvPicPr>
+          <p:nvPr/>
+        </p:nvPicPr>
+        <p:blipFill>
+          <a:blip r:embed="rId2"/>
+          <a:stretch>
+            <a:fillRect/>
+          </a:stretch>
+        </p:blipFill>
+        <p:spPr>
+          <a:xfrm>
+            <a:off x="8378282" y="1333055"/>
+            <a:ext cx="3352800" cy="2794000"/>
+          </a:xfrm>
+          <a:prstGeom prst="rect">
+            <a:avLst/>
+          </a:prstGeom>
+        </p:spPr>
+      </p:pic>
+    </p:spTree>
+    <p:extLst>
+      <p:ext uri="{BB962C8B-B14F-4D97-AF65-F5344CB8AC3E}">
+        <p14:creationId xmlns:p14="http://schemas.microsoft.com/office/powerpoint/2010/main" val="3231221215"/>
       </p:ext>
     </p:extLst>
   </p:cSld>

--- a/slides/packages.pptx
+++ b/slides/packages.pptx
@@ -214,7 +214,7 @@
           <a:p>
             <a:fld id="{8A1B613A-EFF1-404F-BEE8-EFAE84A4E5E2}" type="datetimeFigureOut">
               <a:rPr lang="en-US" smtClean="0"/>
-              <a:t>6/10/21</a:t>
+              <a:t>7/16/21</a:t>
             </a:fld>
             <a:endParaRPr lang="en-US"/>
           </a:p>
@@ -379,7 +379,7 @@
           <a:p>
             <a:fld id="{690847EA-AC25-3D4E-89E1-FD3F6A9702B6}" type="datetimeFigureOut">
               <a:rPr lang="en-US" smtClean="0"/>
-              <a:t>6/10/21</a:t>
+              <a:t>7/16/21</a:t>
             </a:fld>
             <a:endParaRPr lang="en-US"/>
           </a:p>
@@ -793,7 +793,7 @@
           <a:p>
             <a:fld id="{BE5295ED-3BAF-1140-8495-3D368771D6B1}" type="datetimeFigureOut">
               <a:rPr lang="en-US" smtClean="0"/>
-              <a:t>6/10/21</a:t>
+              <a:t>7/16/21</a:t>
             </a:fld>
             <a:endParaRPr lang="en-US"/>
           </a:p>
@@ -991,7 +991,7 @@
           <a:p>
             <a:fld id="{BE5295ED-3BAF-1140-8495-3D368771D6B1}" type="datetimeFigureOut">
               <a:rPr lang="en-US" smtClean="0"/>
-              <a:t>6/10/21</a:t>
+              <a:t>7/16/21</a:t>
             </a:fld>
             <a:endParaRPr lang="en-US"/>
           </a:p>
@@ -1199,7 +1199,7 @@
           <a:p>
             <a:fld id="{BE5295ED-3BAF-1140-8495-3D368771D6B1}" type="datetimeFigureOut">
               <a:rPr lang="en-US" smtClean="0"/>
-              <a:t>6/10/21</a:t>
+              <a:t>7/16/21</a:t>
             </a:fld>
             <a:endParaRPr lang="en-US"/>
           </a:p>
@@ -1397,7 +1397,7 @@
           <a:p>
             <a:fld id="{BE5295ED-3BAF-1140-8495-3D368771D6B1}" type="datetimeFigureOut">
               <a:rPr lang="en-US" smtClean="0"/>
-              <a:t>6/10/21</a:t>
+              <a:t>7/16/21</a:t>
             </a:fld>
             <a:endParaRPr lang="en-US"/>
           </a:p>
@@ -1672,7 +1672,7 @@
           <a:p>
             <a:fld id="{BE5295ED-3BAF-1140-8495-3D368771D6B1}" type="datetimeFigureOut">
               <a:rPr lang="en-US" smtClean="0"/>
-              <a:t>6/10/21</a:t>
+              <a:t>7/16/21</a:t>
             </a:fld>
             <a:endParaRPr lang="en-US"/>
           </a:p>
@@ -1937,7 +1937,7 @@
           <a:p>
             <a:fld id="{BE5295ED-3BAF-1140-8495-3D368771D6B1}" type="datetimeFigureOut">
               <a:rPr lang="en-US" smtClean="0"/>
-              <a:t>6/10/21</a:t>
+              <a:t>7/16/21</a:t>
             </a:fld>
             <a:endParaRPr lang="en-US"/>
           </a:p>
@@ -2349,7 +2349,7 @@
           <a:p>
             <a:fld id="{BE5295ED-3BAF-1140-8495-3D368771D6B1}" type="datetimeFigureOut">
               <a:rPr lang="en-US" smtClean="0"/>
-              <a:t>6/10/21</a:t>
+              <a:t>7/16/21</a:t>
             </a:fld>
             <a:endParaRPr lang="en-US"/>
           </a:p>
@@ -2490,7 +2490,7 @@
           <a:p>
             <a:fld id="{BE5295ED-3BAF-1140-8495-3D368771D6B1}" type="datetimeFigureOut">
               <a:rPr lang="en-US" smtClean="0"/>
-              <a:t>6/10/21</a:t>
+              <a:t>7/16/21</a:t>
             </a:fld>
             <a:endParaRPr lang="en-US"/>
           </a:p>
@@ -2603,7 +2603,7 @@
           <a:p>
             <a:fld id="{BE5295ED-3BAF-1140-8495-3D368771D6B1}" type="datetimeFigureOut">
               <a:rPr lang="en-US" smtClean="0"/>
-              <a:t>6/10/21</a:t>
+              <a:t>7/16/21</a:t>
             </a:fld>
             <a:endParaRPr lang="en-US"/>
           </a:p>
@@ -2914,7 +2914,7 @@
           <a:p>
             <a:fld id="{BE5295ED-3BAF-1140-8495-3D368771D6B1}" type="datetimeFigureOut">
               <a:rPr lang="en-US" smtClean="0"/>
-              <a:t>6/10/21</a:t>
+              <a:t>7/16/21</a:t>
             </a:fld>
             <a:endParaRPr lang="en-US"/>
           </a:p>
@@ -3205,7 +3205,7 @@
           <a:p>
             <a:fld id="{BE5295ED-3BAF-1140-8495-3D368771D6B1}" type="datetimeFigureOut">
               <a:rPr lang="en-US" smtClean="0"/>
-              <a:t>6/10/21</a:t>
+              <a:t>7/16/21</a:t>
             </a:fld>
             <a:endParaRPr lang="en-US"/>
           </a:p>
@@ -3446,7 +3446,7 @@
           <a:p>
             <a:fld id="{BE5295ED-3BAF-1140-8495-3D368771D6B1}" type="datetimeFigureOut">
               <a:rPr lang="en-US" smtClean="0"/>
-              <a:t>6/10/21</a:t>
+              <a:t>7/16/21</a:t>
             </a:fld>
             <a:endParaRPr lang="en-US"/>
           </a:p>
@@ -4113,13 +4113,13 @@
           <a:p>
             <a:r>
               <a:rPr lang="en-US" dirty="0"/>
-              <a:t>Now let's take a look at importing and using code libraries</a:t>
+              <a:t>Now let's look at importing and using code libraries</a:t>
             </a:r>
           </a:p>
           <a:p>
             <a:r>
               <a:rPr lang="en-US" dirty="0"/>
-              <a:t>There are a multitude of of libraries on your disk and Python can't automatically load them all into memory; we must explicitly </a:t>
+              <a:t>There are a multitude of libraries on your disk and Python can't automatically load them all into memory; we must explicitly </a:t>
             </a:r>
             <a:r>
               <a:rPr lang="en-US" b="1" dirty="0"/>
@@ -4134,12 +4134,6 @@
             <a:r>
               <a:rPr lang="en-US" dirty="0"/>
               <a:t>This is like opening a specific cookbook of recipes</a:t>
-            </a:r>
-          </a:p>
-          <a:p>
-            <a:r>
-              <a:rPr lang="en-US" dirty="0"/>
-              <a:t>Later we will see how to install more libraries onto our machine</a:t>
             </a:r>
           </a:p>
         </p:txBody>
@@ -4207,8 +4201,8 @@
           </a:p>
         </p:txBody>
       </p:sp>
-      <mc:AlternateContent xmlns:mc="http://schemas.openxmlformats.org/markup-compatibility/2006">
-        <mc:Choice xmlns:a14="http://schemas.microsoft.com/office/drawing/2010/main" Requires="a14">
+      <mc:AlternateContent xmlns:mc="http://schemas.openxmlformats.org/markup-compatibility/2006" xmlns:a14="http://schemas.microsoft.com/office/drawing/2010/main">
+        <mc:Choice Requires="a14">
           <p:sp>
             <p:nvSpPr>
               <p:cNvPr id="3" name="Content Placeholder 2">
@@ -4284,7 +4278,7 @@
             </p:txBody>
           </p:sp>
         </mc:Choice>
-        <mc:Fallback>
+        <mc:Fallback xmlns="">
           <p:sp>
             <p:nvSpPr>
               <p:cNvPr id="3" name="Content Placeholder 2">
@@ -4862,7 +4856,7 @@
           <a:p>
             <a:r>
               <a:rPr lang="en-US" dirty="0"/>
-              <a:t> Example from my </a:t>
+              <a:t>Example from my </a:t>
             </a:r>
             <a:r>
               <a:rPr lang="en-US" b="1" dirty="0" err="1"/>
@@ -4958,6 +4952,301 @@
           <a:xfrm flipV="1">
             <a:off x="6096000" y="4681330"/>
             <a:ext cx="1656522" cy="178905"/>
+          </a:xfrm>
+          <a:prstGeom prst="straightConnector1">
+            <a:avLst/>
+          </a:prstGeom>
+          <a:ln>
+            <a:solidFill>
+              <a:srgbClr val="E4754F"/>
+            </a:solidFill>
+            <a:tailEnd type="triangle"/>
+          </a:ln>
+        </p:spPr>
+        <p:style>
+          <a:lnRef idx="1">
+            <a:schemeClr val="accent1"/>
+          </a:lnRef>
+          <a:fillRef idx="0">
+            <a:schemeClr val="accent1"/>
+          </a:fillRef>
+          <a:effectRef idx="0">
+            <a:schemeClr val="accent1"/>
+          </a:effectRef>
+          <a:fontRef idx="minor">
+            <a:schemeClr val="tx1"/>
+          </a:fontRef>
+        </p:style>
+      </p:cxnSp>
+      <p:sp>
+        <p:nvSpPr>
+          <p:cNvPr id="4" name="TextBox 3">
+            <a:extLst>
+              <a:ext uri="{FF2B5EF4-FFF2-40B4-BE49-F238E27FC236}">
+                <a16:creationId xmlns:a16="http://schemas.microsoft.com/office/drawing/2014/main" id="{4078C24C-53DA-594C-BB23-4FFA744910F3}"/>
+              </a:ext>
+            </a:extLst>
+          </p:cNvPr>
+          <p:cNvSpPr txBox="1"/>
+          <p:nvPr/>
+        </p:nvSpPr>
+        <p:spPr>
+          <a:xfrm>
+            <a:off x="10127974" y="3816628"/>
+            <a:ext cx="1056700" cy="369332"/>
+          </a:xfrm>
+          <a:prstGeom prst="rect">
+            <a:avLst/>
+          </a:prstGeom>
+          <a:noFill/>
+        </p:spPr>
+        <p:txBody>
+          <a:bodyPr wrap="none" rtlCol="0">
+            <a:spAutoFit/>
+          </a:bodyPr>
+          <a:lstStyle/>
+          <a:p>
+            <a:r>
+              <a:rPr lang="en-US" dirty="0"/>
+              <a:t>package</a:t>
+            </a:r>
+          </a:p>
+        </p:txBody>
+      </p:sp>
+      <p:cxnSp>
+        <p:nvCxnSpPr>
+          <p:cNvPr id="9" name="Straight Arrow Connector 8">
+            <a:extLst>
+              <a:ext uri="{FF2B5EF4-FFF2-40B4-BE49-F238E27FC236}">
+                <a16:creationId xmlns:a16="http://schemas.microsoft.com/office/drawing/2014/main" id="{4489EFE8-3E48-9042-808E-73F7E8A598E4}"/>
+              </a:ext>
+            </a:extLst>
+          </p:cNvPr>
+          <p:cNvCxnSpPr>
+            <a:cxnSpLocks/>
+            <a:stCxn id="4" idx="1"/>
+          </p:cNvCxnSpPr>
+          <p:nvPr/>
+        </p:nvCxnSpPr>
+        <p:spPr>
+          <a:xfrm flipH="1">
+            <a:off x="8849692" y="4001294"/>
+            <a:ext cx="1278282" cy="317534"/>
+          </a:xfrm>
+          <a:prstGeom prst="straightConnector1">
+            <a:avLst/>
+          </a:prstGeom>
+          <a:ln>
+            <a:solidFill>
+              <a:srgbClr val="E4754F"/>
+            </a:solidFill>
+            <a:tailEnd type="triangle"/>
+          </a:ln>
+        </p:spPr>
+        <p:style>
+          <a:lnRef idx="1">
+            <a:schemeClr val="accent1"/>
+          </a:lnRef>
+          <a:fillRef idx="0">
+            <a:schemeClr val="accent1"/>
+          </a:fillRef>
+          <a:effectRef idx="0">
+            <a:schemeClr val="accent1"/>
+          </a:effectRef>
+          <a:fontRef idx="minor">
+            <a:schemeClr val="tx1"/>
+          </a:fontRef>
+        </p:style>
+      </p:cxnSp>
+      <p:sp>
+        <p:nvSpPr>
+          <p:cNvPr id="11" name="TextBox 10">
+            <a:extLst>
+              <a:ext uri="{FF2B5EF4-FFF2-40B4-BE49-F238E27FC236}">
+                <a16:creationId xmlns:a16="http://schemas.microsoft.com/office/drawing/2014/main" id="{89329B18-051F-C540-BE35-30C6050800E3}"/>
+              </a:ext>
+            </a:extLst>
+          </p:cNvPr>
+          <p:cNvSpPr txBox="1"/>
+          <p:nvPr/>
+        </p:nvSpPr>
+        <p:spPr>
+          <a:xfrm>
+            <a:off x="10118035" y="4503494"/>
+            <a:ext cx="941283" cy="369332"/>
+          </a:xfrm>
+          <a:prstGeom prst="rect">
+            <a:avLst/>
+          </a:prstGeom>
+          <a:noFill/>
+        </p:spPr>
+        <p:txBody>
+          <a:bodyPr wrap="none" rtlCol="0">
+            <a:spAutoFit/>
+          </a:bodyPr>
+          <a:lstStyle/>
+          <a:p>
+            <a:r>
+              <a:rPr lang="en-US" dirty="0"/>
+              <a:t>module</a:t>
+            </a:r>
+          </a:p>
+        </p:txBody>
+      </p:sp>
+      <p:cxnSp>
+        <p:nvCxnSpPr>
+          <p:cNvPr id="12" name="Straight Arrow Connector 11">
+            <a:extLst>
+              <a:ext uri="{FF2B5EF4-FFF2-40B4-BE49-F238E27FC236}">
+                <a16:creationId xmlns:a16="http://schemas.microsoft.com/office/drawing/2014/main" id="{336C12F7-F5C6-674E-AF04-1A82386E435D}"/>
+              </a:ext>
+            </a:extLst>
+          </p:cNvPr>
+          <p:cNvCxnSpPr>
+            <a:cxnSpLocks/>
+            <a:stCxn id="11" idx="1"/>
+          </p:cNvCxnSpPr>
+          <p:nvPr/>
+        </p:nvCxnSpPr>
+        <p:spPr>
+          <a:xfrm flipH="1">
+            <a:off x="9132771" y="4688160"/>
+            <a:ext cx="985264" cy="318603"/>
+          </a:xfrm>
+          <a:prstGeom prst="straightConnector1">
+            <a:avLst/>
+          </a:prstGeom>
+          <a:ln>
+            <a:solidFill>
+              <a:srgbClr val="E4754F"/>
+            </a:solidFill>
+            <a:tailEnd type="triangle"/>
+          </a:ln>
+        </p:spPr>
+        <p:style>
+          <a:lnRef idx="1">
+            <a:schemeClr val="accent1"/>
+          </a:lnRef>
+          <a:fillRef idx="0">
+            <a:schemeClr val="accent1"/>
+          </a:fillRef>
+          <a:effectRef idx="0">
+            <a:schemeClr val="accent1"/>
+          </a:effectRef>
+          <a:fontRef idx="minor">
+            <a:schemeClr val="tx1"/>
+          </a:fontRef>
+        </p:style>
+      </p:cxnSp>
+      <p:cxnSp>
+        <p:nvCxnSpPr>
+          <p:cNvPr id="14" name="Straight Arrow Connector 13">
+            <a:extLst>
+              <a:ext uri="{FF2B5EF4-FFF2-40B4-BE49-F238E27FC236}">
+                <a16:creationId xmlns:a16="http://schemas.microsoft.com/office/drawing/2014/main" id="{04B9EC66-2467-7543-BCEB-35D3499DD99F}"/>
+              </a:ext>
+            </a:extLst>
+          </p:cNvPr>
+          <p:cNvCxnSpPr>
+            <a:cxnSpLocks/>
+            <a:stCxn id="11" idx="1"/>
+          </p:cNvCxnSpPr>
+          <p:nvPr/>
+        </p:nvCxnSpPr>
+        <p:spPr>
+          <a:xfrm flipH="1">
+            <a:off x="9303026" y="4688160"/>
+            <a:ext cx="815009" cy="553998"/>
+          </a:xfrm>
+          <a:prstGeom prst="straightConnector1">
+            <a:avLst/>
+          </a:prstGeom>
+          <a:ln>
+            <a:solidFill>
+              <a:srgbClr val="E4754F"/>
+            </a:solidFill>
+            <a:tailEnd type="triangle"/>
+          </a:ln>
+        </p:spPr>
+        <p:style>
+          <a:lnRef idx="1">
+            <a:schemeClr val="accent1"/>
+          </a:lnRef>
+          <a:fillRef idx="0">
+            <a:schemeClr val="accent1"/>
+          </a:fillRef>
+          <a:effectRef idx="0">
+            <a:schemeClr val="accent1"/>
+          </a:effectRef>
+          <a:fontRef idx="minor">
+            <a:schemeClr val="tx1"/>
+          </a:fontRef>
+        </p:style>
+      </p:cxnSp>
+      <p:cxnSp>
+        <p:nvCxnSpPr>
+          <p:cNvPr id="17" name="Straight Arrow Connector 16">
+            <a:extLst>
+              <a:ext uri="{FF2B5EF4-FFF2-40B4-BE49-F238E27FC236}">
+                <a16:creationId xmlns:a16="http://schemas.microsoft.com/office/drawing/2014/main" id="{A143F267-9FB3-C144-A354-C2C8A3EDC22A}"/>
+              </a:ext>
+            </a:extLst>
+          </p:cNvPr>
+          <p:cNvCxnSpPr>
+            <a:cxnSpLocks/>
+            <a:stCxn id="11" idx="1"/>
+          </p:cNvCxnSpPr>
+          <p:nvPr/>
+        </p:nvCxnSpPr>
+        <p:spPr>
+          <a:xfrm flipH="1">
+            <a:off x="9230139" y="4688160"/>
+            <a:ext cx="887896" cy="970565"/>
+          </a:xfrm>
+          <a:prstGeom prst="straightConnector1">
+            <a:avLst/>
+          </a:prstGeom>
+          <a:ln>
+            <a:solidFill>
+              <a:srgbClr val="E4754F"/>
+            </a:solidFill>
+            <a:tailEnd type="triangle"/>
+          </a:ln>
+        </p:spPr>
+        <p:style>
+          <a:lnRef idx="1">
+            <a:schemeClr val="accent1"/>
+          </a:lnRef>
+          <a:fillRef idx="0">
+            <a:schemeClr val="accent1"/>
+          </a:fillRef>
+          <a:effectRef idx="0">
+            <a:schemeClr val="accent1"/>
+          </a:effectRef>
+          <a:fontRef idx="minor">
+            <a:schemeClr val="tx1"/>
+          </a:fontRef>
+        </p:style>
+      </p:cxnSp>
+      <p:cxnSp>
+        <p:nvCxnSpPr>
+          <p:cNvPr id="20" name="Straight Arrow Connector 19">
+            <a:extLst>
+              <a:ext uri="{FF2B5EF4-FFF2-40B4-BE49-F238E27FC236}">
+                <a16:creationId xmlns:a16="http://schemas.microsoft.com/office/drawing/2014/main" id="{A2F89FCC-ADFA-5C4C-990F-9BF428418B74}"/>
+              </a:ext>
+            </a:extLst>
+          </p:cNvPr>
+          <p:cNvCxnSpPr>
+            <a:cxnSpLocks/>
+            <a:stCxn id="11" idx="1"/>
+          </p:cNvCxnSpPr>
+          <p:nvPr/>
+        </p:nvCxnSpPr>
+        <p:spPr>
+          <a:xfrm flipH="1">
+            <a:off x="9004852" y="4688160"/>
+            <a:ext cx="1113183" cy="1319736"/>
           </a:xfrm>
           <a:prstGeom prst="straightConnector1">
             <a:avLst/>
@@ -5371,43 +5660,43 @@
           <a:lstStyle/>
           <a:p>
             <a:r>
+              <a:rPr lang="en-US" b="1" dirty="0" err="1"/>
+              <a:t>lolviz</a:t>
+            </a:r>
+            <a:r>
+              <a:rPr lang="en-US" dirty="0"/>
+              <a:t>[1] is a package I built to display data structures</a:t>
+            </a:r>
+          </a:p>
+          <a:p>
+            <a:r>
+              <a:rPr lang="en-US" dirty="0"/>
+              <a:t>First, use the terminal to install </a:t>
+            </a:r>
+            <a:r>
+              <a:rPr lang="en-US" b="1" dirty="0" err="1"/>
+              <a:t>graphviz</a:t>
+            </a:r>
+            <a:r>
+              <a:rPr lang="en-US" dirty="0"/>
+              <a:t>, a program needed by my </a:t>
+            </a:r>
+            <a:r>
               <a:rPr lang="en-US" dirty="0" err="1"/>
               <a:t>lolviz</a:t>
             </a:r>
             <a:r>
               <a:rPr lang="en-US" dirty="0"/>
-              <a:t> is a package I built to display data structures</a:t>
-            </a:r>
-          </a:p>
-          <a:p>
-            <a:r>
-              <a:rPr lang="en-US" dirty="0"/>
-              <a:t>First, use the terminal to install </a:t>
+              <a:t> library: </a:t>
+            </a:r>
+            <a:r>
+              <a:rPr lang="en-US" b="1" dirty="0"/>
+              <a:t>brew install </a:t>
             </a:r>
             <a:r>
               <a:rPr lang="en-US" b="1" dirty="0" err="1"/>
               <a:t>graphviz</a:t>
             </a:r>
-            <a:r>
-              <a:rPr lang="en-US" dirty="0"/>
-              <a:t>, a program needed by my </a:t>
-            </a:r>
-            <a:r>
-              <a:rPr lang="en-US" dirty="0" err="1"/>
-              <a:t>lolviz</a:t>
-            </a:r>
-            <a:r>
-              <a:rPr lang="en-US" dirty="0"/>
-              <a:t> library: </a:t>
-            </a:r>
-            <a:r>
-              <a:rPr lang="en-US" b="1" dirty="0"/>
-              <a:t>brew install </a:t>
-            </a:r>
-            <a:r>
-              <a:rPr lang="en-US" b="1" dirty="0" err="1"/>
-              <a:t>graphviz</a:t>
-            </a:r>
             <a:endParaRPr lang="en-US" b="1" dirty="0"/>
           </a:p>
           <a:p>
@@ -5426,10 +5715,34 @@
             <a:endParaRPr lang="en-US" b="1" dirty="0"/>
           </a:p>
           <a:p>
-            <a:pPr marL="0" indent="0">
-              <a:buNone/>
-            </a:pPr>
-            <a:endParaRPr lang="en-US" dirty="0"/>
+            <a:r>
+              <a:rPr lang="en-US" dirty="0"/>
+              <a:t>Import </a:t>
+            </a:r>
+            <a:r>
+              <a:rPr lang="en-US" b="1" dirty="0" err="1"/>
+              <a:t>lolviz</a:t>
+            </a:r>
+            <a:r>
+              <a:rPr lang="en-US" dirty="0"/>
+              <a:t> and call </a:t>
+            </a:r>
+            <a:r>
+              <a:rPr lang="en-US" b="1" dirty="0" err="1"/>
+              <a:t>objviz</a:t>
+            </a:r>
+            <a:r>
+              <a:rPr lang="en-US" dirty="0"/>
+              <a:t>() </a:t>
+            </a:r>
+            <a:r>
+              <a:rPr lang="en-US" dirty="0" err="1"/>
+              <a:t>etc</a:t>
+            </a:r>
+            <a:r>
+              <a:rPr lang="en-US" dirty="0"/>
+              <a:t>…</a:t>
+            </a:r>
           </a:p>
         </p:txBody>
       </p:sp>
@@ -5463,6 +5776,48 @@
           </a:prstGeom>
         </p:spPr>
       </p:pic>
+      <p:sp>
+        <p:nvSpPr>
+          <p:cNvPr id="4" name="TextBox 3">
+            <a:extLst>
+              <a:ext uri="{FF2B5EF4-FFF2-40B4-BE49-F238E27FC236}">
+                <a16:creationId xmlns:a16="http://schemas.microsoft.com/office/drawing/2014/main" id="{17DCF637-B79F-664B-AF44-A9677C2A9763}"/>
+              </a:ext>
+            </a:extLst>
+          </p:cNvPr>
+          <p:cNvSpPr txBox="1"/>
+          <p:nvPr/>
+        </p:nvSpPr>
+        <p:spPr>
+          <a:xfrm>
+            <a:off x="0" y="6456934"/>
+            <a:ext cx="3506088" cy="369332"/>
+          </a:xfrm>
+          <a:prstGeom prst="rect">
+            <a:avLst/>
+          </a:prstGeom>
+          <a:noFill/>
+        </p:spPr>
+        <p:txBody>
+          <a:bodyPr wrap="none" rtlCol="0">
+            <a:spAutoFit/>
+          </a:bodyPr>
+          <a:lstStyle/>
+          <a:p>
+            <a:r>
+              <a:rPr lang="en-US" dirty="0"/>
+              <a:t>[1] </a:t>
+            </a:r>
+            <a:r>
+              <a:rPr lang="en-US" dirty="0">
+                <a:hlinkClick r:id="rId3"/>
+              </a:rPr>
+              <a:t>https://github.com/parrt/lolviz</a:t>
+            </a:r>
+            <a:endParaRPr lang="en-US" dirty="0"/>
+          </a:p>
+        </p:txBody>
+      </p:sp>
     </p:spTree>
     <p:extLst>
       <p:ext uri="{BB962C8B-B14F-4D97-AF65-F5344CB8AC3E}">
@@ -5740,6 +6095,131 @@
           </a:prstGeom>
         </p:spPr>
       </p:pic>
+      <p:sp>
+        <p:nvSpPr>
+          <p:cNvPr id="3" name="TextBox 2">
+            <a:extLst>
+              <a:ext uri="{FF2B5EF4-FFF2-40B4-BE49-F238E27FC236}">
+                <a16:creationId xmlns:a16="http://schemas.microsoft.com/office/drawing/2014/main" id="{F9F3DF23-D2F8-B44A-899E-3CEB927AE760}"/>
+              </a:ext>
+            </a:extLst>
+          </p:cNvPr>
+          <p:cNvSpPr txBox="1"/>
+          <p:nvPr/>
+        </p:nvSpPr>
+        <p:spPr>
+          <a:xfrm>
+            <a:off x="5742432" y="5184648"/>
+            <a:ext cx="1903085" cy="369332"/>
+          </a:xfrm>
+          <a:prstGeom prst="rect">
+            <a:avLst/>
+          </a:prstGeom>
+          <a:noFill/>
+        </p:spPr>
+        <p:txBody>
+          <a:bodyPr wrap="none" rtlCol="0">
+            <a:spAutoFit/>
+          </a:bodyPr>
+          <a:lstStyle/>
+          <a:p>
+            <a:r>
+              <a:rPr lang="en-US" dirty="0"/>
+              <a:t>Standard aliases</a:t>
+            </a:r>
+          </a:p>
+        </p:txBody>
+      </p:sp>
+      <p:cxnSp>
+        <p:nvCxnSpPr>
+          <p:cNvPr id="6" name="Straight Arrow Connector 5">
+            <a:extLst>
+              <a:ext uri="{FF2B5EF4-FFF2-40B4-BE49-F238E27FC236}">
+                <a16:creationId xmlns:a16="http://schemas.microsoft.com/office/drawing/2014/main" id="{6D284395-E767-B048-80BB-52D9A7159482}"/>
+              </a:ext>
+            </a:extLst>
+          </p:cNvPr>
+          <p:cNvCxnSpPr>
+            <a:cxnSpLocks/>
+            <a:stCxn id="3" idx="1"/>
+          </p:cNvCxnSpPr>
+          <p:nvPr/>
+        </p:nvCxnSpPr>
+        <p:spPr>
+          <a:xfrm flipH="1" flipV="1">
+            <a:off x="4707460" y="5275948"/>
+            <a:ext cx="1034972" cy="93366"/>
+          </a:xfrm>
+          <a:prstGeom prst="straightConnector1">
+            <a:avLst/>
+          </a:prstGeom>
+          <a:ln>
+            <a:solidFill>
+              <a:srgbClr val="E4754F"/>
+            </a:solidFill>
+            <a:tailEnd type="triangle"/>
+          </a:ln>
+        </p:spPr>
+        <p:style>
+          <a:lnRef idx="1">
+            <a:schemeClr val="accent1"/>
+          </a:lnRef>
+          <a:fillRef idx="0">
+            <a:schemeClr val="accent1"/>
+          </a:fillRef>
+          <a:effectRef idx="0">
+            <a:schemeClr val="accent1"/>
+          </a:effectRef>
+          <a:fontRef idx="minor">
+            <a:schemeClr val="tx1"/>
+          </a:fontRef>
+        </p:style>
+      </p:cxnSp>
+      <p:cxnSp>
+        <p:nvCxnSpPr>
+          <p:cNvPr id="9" name="Straight Arrow Connector 8">
+            <a:extLst>
+              <a:ext uri="{FF2B5EF4-FFF2-40B4-BE49-F238E27FC236}">
+                <a16:creationId xmlns:a16="http://schemas.microsoft.com/office/drawing/2014/main" id="{21E44A55-7A20-D545-9EA5-63ECDE086337}"/>
+              </a:ext>
+            </a:extLst>
+          </p:cNvPr>
+          <p:cNvCxnSpPr>
+            <a:cxnSpLocks/>
+            <a:stCxn id="3" idx="1"/>
+          </p:cNvCxnSpPr>
+          <p:nvPr/>
+        </p:nvCxnSpPr>
+        <p:spPr>
+          <a:xfrm flipH="1">
+            <a:off x="4928616" y="5369314"/>
+            <a:ext cx="813816" cy="184666"/>
+          </a:xfrm>
+          <a:prstGeom prst="straightConnector1">
+            <a:avLst/>
+          </a:prstGeom>
+          <a:ln>
+            <a:solidFill>
+              <a:srgbClr val="E4754F"/>
+            </a:solidFill>
+            <a:tailEnd type="triangle"/>
+          </a:ln>
+        </p:spPr>
+        <p:style>
+          <a:lnRef idx="1">
+            <a:schemeClr val="accent1"/>
+          </a:lnRef>
+          <a:fillRef idx="0">
+            <a:schemeClr val="accent1"/>
+          </a:fillRef>
+          <a:effectRef idx="0">
+            <a:schemeClr val="accent1"/>
+          </a:effectRef>
+          <a:fontRef idx="minor">
+            <a:schemeClr val="tx1"/>
+          </a:fontRef>
+        </p:style>
+      </p:cxnSp>
     </p:spTree>
     <p:extLst>
       <p:ext uri="{BB962C8B-B14F-4D97-AF65-F5344CB8AC3E}">

--- a/slides/packages.pptx
+++ b/slides/packages.pptx
@@ -214,7 +214,7 @@
           <a:p>
             <a:fld id="{8A1B613A-EFF1-404F-BEE8-EFAE84A4E5E2}" type="datetimeFigureOut">
               <a:rPr lang="en-US" smtClean="0"/>
-              <a:t>7/16/21</a:t>
+              <a:t>7/21/21</a:t>
             </a:fld>
             <a:endParaRPr lang="en-US"/>
           </a:p>
@@ -379,7 +379,7 @@
           <a:p>
             <a:fld id="{690847EA-AC25-3D4E-89E1-FD3F6A9702B6}" type="datetimeFigureOut">
               <a:rPr lang="en-US" smtClean="0"/>
-              <a:t>7/16/21</a:t>
+              <a:t>7/21/21</a:t>
             </a:fld>
             <a:endParaRPr lang="en-US"/>
           </a:p>
@@ -793,7 +793,7 @@
           <a:p>
             <a:fld id="{BE5295ED-3BAF-1140-8495-3D368771D6B1}" type="datetimeFigureOut">
               <a:rPr lang="en-US" smtClean="0"/>
-              <a:t>7/16/21</a:t>
+              <a:t>7/21/21</a:t>
             </a:fld>
             <a:endParaRPr lang="en-US"/>
           </a:p>
@@ -991,7 +991,7 @@
           <a:p>
             <a:fld id="{BE5295ED-3BAF-1140-8495-3D368771D6B1}" type="datetimeFigureOut">
               <a:rPr lang="en-US" smtClean="0"/>
-              <a:t>7/16/21</a:t>
+              <a:t>7/21/21</a:t>
             </a:fld>
             <a:endParaRPr lang="en-US"/>
           </a:p>
@@ -1199,7 +1199,7 @@
           <a:p>
             <a:fld id="{BE5295ED-3BAF-1140-8495-3D368771D6B1}" type="datetimeFigureOut">
               <a:rPr lang="en-US" smtClean="0"/>
-              <a:t>7/16/21</a:t>
+              <a:t>7/21/21</a:t>
             </a:fld>
             <a:endParaRPr lang="en-US"/>
           </a:p>
@@ -1397,7 +1397,7 @@
           <a:p>
             <a:fld id="{BE5295ED-3BAF-1140-8495-3D368771D6B1}" type="datetimeFigureOut">
               <a:rPr lang="en-US" smtClean="0"/>
-              <a:t>7/16/21</a:t>
+              <a:t>7/21/21</a:t>
             </a:fld>
             <a:endParaRPr lang="en-US"/>
           </a:p>
@@ -1672,7 +1672,7 @@
           <a:p>
             <a:fld id="{BE5295ED-3BAF-1140-8495-3D368771D6B1}" type="datetimeFigureOut">
               <a:rPr lang="en-US" smtClean="0"/>
-              <a:t>7/16/21</a:t>
+              <a:t>7/21/21</a:t>
             </a:fld>
             <a:endParaRPr lang="en-US"/>
           </a:p>
@@ -1937,7 +1937,7 @@
           <a:p>
             <a:fld id="{BE5295ED-3BAF-1140-8495-3D368771D6B1}" type="datetimeFigureOut">
               <a:rPr lang="en-US" smtClean="0"/>
-              <a:t>7/16/21</a:t>
+              <a:t>7/21/21</a:t>
             </a:fld>
             <a:endParaRPr lang="en-US"/>
           </a:p>
@@ -2349,7 +2349,7 @@
           <a:p>
             <a:fld id="{BE5295ED-3BAF-1140-8495-3D368771D6B1}" type="datetimeFigureOut">
               <a:rPr lang="en-US" smtClean="0"/>
-              <a:t>7/16/21</a:t>
+              <a:t>7/21/21</a:t>
             </a:fld>
             <a:endParaRPr lang="en-US"/>
           </a:p>
@@ -2490,7 +2490,7 @@
           <a:p>
             <a:fld id="{BE5295ED-3BAF-1140-8495-3D368771D6B1}" type="datetimeFigureOut">
               <a:rPr lang="en-US" smtClean="0"/>
-              <a:t>7/16/21</a:t>
+              <a:t>7/21/21</a:t>
             </a:fld>
             <a:endParaRPr lang="en-US"/>
           </a:p>
@@ -2603,7 +2603,7 @@
           <a:p>
             <a:fld id="{BE5295ED-3BAF-1140-8495-3D368771D6B1}" type="datetimeFigureOut">
               <a:rPr lang="en-US" smtClean="0"/>
-              <a:t>7/16/21</a:t>
+              <a:t>7/21/21</a:t>
             </a:fld>
             <a:endParaRPr lang="en-US"/>
           </a:p>
@@ -2914,7 +2914,7 @@
           <a:p>
             <a:fld id="{BE5295ED-3BAF-1140-8495-3D368771D6B1}" type="datetimeFigureOut">
               <a:rPr lang="en-US" smtClean="0"/>
-              <a:t>7/16/21</a:t>
+              <a:t>7/21/21</a:t>
             </a:fld>
             <a:endParaRPr lang="en-US"/>
           </a:p>
@@ -3205,7 +3205,7 @@
           <a:p>
             <a:fld id="{BE5295ED-3BAF-1140-8495-3D368771D6B1}" type="datetimeFigureOut">
               <a:rPr lang="en-US" smtClean="0"/>
-              <a:t>7/16/21</a:t>
+              <a:t>7/21/21</a:t>
             </a:fld>
             <a:endParaRPr lang="en-US"/>
           </a:p>
@@ -3446,7 +3446,7 @@
           <a:p>
             <a:fld id="{BE5295ED-3BAF-1140-8495-3D368771D6B1}" type="datetimeFigureOut">
               <a:rPr lang="en-US" smtClean="0"/>
-              <a:t>7/16/21</a:t>
+              <a:t>7/21/21</a:t>
             </a:fld>
             <a:endParaRPr lang="en-US"/>
           </a:p>
